--- a/report/report diagrams.pptx
+++ b/report/report diagrams.pptx
@@ -7,6 +7,7 @@
   <p:sldIdLst>
     <p:sldId id="256" r:id="rId2"/>
     <p:sldId id="257" r:id="rId3"/>
+    <p:sldId id="258" r:id="rId4"/>
   </p:sldIdLst>
   <p:sldSz cx="12192000" cy="6858000"/>
   <p:notesSz cx="6858000" cy="9144000"/>
@@ -105,6 +106,11 @@
       </a:defRPr>
     </a:lvl9pPr>
   </p:defaultTextStyle>
+  <p:extLst>
+    <p:ext uri="{EFAFB233-063F-42B5-8137-9DF3F51BA10A}">
+      <p15:sldGuideLst xmlns:p15="http://schemas.microsoft.com/office/powerpoint/2012/main"/>
+    </p:ext>
+  </p:extLst>
 </p:presentation>
 </file>
 
@@ -257,7 +263,7 @@
           <a:p>
             <a:fld id="{446C6B02-1201-BC4F-8CD8-04EAE4792AA6}" type="datetimeFigureOut">
               <a:rPr lang="en-US" smtClean="0"/>
-              <a:t>6/12/23</a:t>
+              <a:t>6/16/23</a:t>
             </a:fld>
             <a:endParaRPr lang="en-US"/>
           </a:p>
@@ -457,7 +463,7 @@
           <a:p>
             <a:fld id="{446C6B02-1201-BC4F-8CD8-04EAE4792AA6}" type="datetimeFigureOut">
               <a:rPr lang="en-US" smtClean="0"/>
-              <a:t>6/12/23</a:t>
+              <a:t>6/16/23</a:t>
             </a:fld>
             <a:endParaRPr lang="en-US"/>
           </a:p>
@@ -667,7 +673,7 @@
           <a:p>
             <a:fld id="{446C6B02-1201-BC4F-8CD8-04EAE4792AA6}" type="datetimeFigureOut">
               <a:rPr lang="en-US" smtClean="0"/>
-              <a:t>6/12/23</a:t>
+              <a:t>6/16/23</a:t>
             </a:fld>
             <a:endParaRPr lang="en-US"/>
           </a:p>
@@ -867,7 +873,7 @@
           <a:p>
             <a:fld id="{446C6B02-1201-BC4F-8CD8-04EAE4792AA6}" type="datetimeFigureOut">
               <a:rPr lang="en-US" smtClean="0"/>
-              <a:t>6/12/23</a:t>
+              <a:t>6/16/23</a:t>
             </a:fld>
             <a:endParaRPr lang="en-US"/>
           </a:p>
@@ -1143,7 +1149,7 @@
           <a:p>
             <a:fld id="{446C6B02-1201-BC4F-8CD8-04EAE4792AA6}" type="datetimeFigureOut">
               <a:rPr lang="en-US" smtClean="0"/>
-              <a:t>6/12/23</a:t>
+              <a:t>6/16/23</a:t>
             </a:fld>
             <a:endParaRPr lang="en-US"/>
           </a:p>
@@ -1411,7 +1417,7 @@
           <a:p>
             <a:fld id="{446C6B02-1201-BC4F-8CD8-04EAE4792AA6}" type="datetimeFigureOut">
               <a:rPr lang="en-US" smtClean="0"/>
-              <a:t>6/12/23</a:t>
+              <a:t>6/16/23</a:t>
             </a:fld>
             <a:endParaRPr lang="en-US"/>
           </a:p>
@@ -1826,7 +1832,7 @@
           <a:p>
             <a:fld id="{446C6B02-1201-BC4F-8CD8-04EAE4792AA6}" type="datetimeFigureOut">
               <a:rPr lang="en-US" smtClean="0"/>
-              <a:t>6/12/23</a:t>
+              <a:t>6/16/23</a:t>
             </a:fld>
             <a:endParaRPr lang="en-US"/>
           </a:p>
@@ -1968,7 +1974,7 @@
           <a:p>
             <a:fld id="{446C6B02-1201-BC4F-8CD8-04EAE4792AA6}" type="datetimeFigureOut">
               <a:rPr lang="en-US" smtClean="0"/>
-              <a:t>6/12/23</a:t>
+              <a:t>6/16/23</a:t>
             </a:fld>
             <a:endParaRPr lang="en-US"/>
           </a:p>
@@ -2081,7 +2087,7 @@
           <a:p>
             <a:fld id="{446C6B02-1201-BC4F-8CD8-04EAE4792AA6}" type="datetimeFigureOut">
               <a:rPr lang="en-US" smtClean="0"/>
-              <a:t>6/12/23</a:t>
+              <a:t>6/16/23</a:t>
             </a:fld>
             <a:endParaRPr lang="en-US"/>
           </a:p>
@@ -2394,7 +2400,7 @@
           <a:p>
             <a:fld id="{446C6B02-1201-BC4F-8CD8-04EAE4792AA6}" type="datetimeFigureOut">
               <a:rPr lang="en-US" smtClean="0"/>
-              <a:t>6/12/23</a:t>
+              <a:t>6/16/23</a:t>
             </a:fld>
             <a:endParaRPr lang="en-US"/>
           </a:p>
@@ -2683,7 +2689,7 @@
           <a:p>
             <a:fld id="{446C6B02-1201-BC4F-8CD8-04EAE4792AA6}" type="datetimeFigureOut">
               <a:rPr lang="en-US" smtClean="0"/>
-              <a:t>6/12/23</a:t>
+              <a:t>6/16/23</a:t>
             </a:fld>
             <a:endParaRPr lang="en-US"/>
           </a:p>
@@ -2926,7 +2932,7 @@
           <a:p>
             <a:fld id="{446C6B02-1201-BC4F-8CD8-04EAE4792AA6}" type="datetimeFigureOut">
               <a:rPr lang="en-US" smtClean="0"/>
-              <a:t>6/12/23</a:t>
+              <a:t>6/16/23</a:t>
             </a:fld>
             <a:endParaRPr lang="en-US"/>
           </a:p>
@@ -4545,15 +4551,15 @@
         <p:spPr>
           <a:xfrm>
             <a:off x="1359694" y="771525"/>
-            <a:ext cx="9472613" cy="5657850"/>
+            <a:ext cx="9472613" cy="4886325"/>
           </a:xfrm>
           <a:prstGeom prst="rect">
             <a:avLst/>
           </a:prstGeom>
           <a:solidFill>
             <a:schemeClr val="accent1">
-              <a:lumMod val="60000"/>
-              <a:lumOff val="40000"/>
+              <a:lumMod val="20000"/>
+              <a:lumOff val="80000"/>
             </a:schemeClr>
           </a:solidFill>
         </p:spPr>
@@ -4632,18 +4638,21 @@
         </p:nvSpPr>
         <p:spPr>
           <a:xfrm>
-            <a:off x="1502568" y="1259533"/>
-            <a:ext cx="6900863" cy="4884092"/>
+            <a:off x="1516853" y="1342899"/>
+            <a:ext cx="6900863" cy="3979732"/>
           </a:xfrm>
           <a:prstGeom prst="rect">
             <a:avLst/>
           </a:prstGeom>
+          <a:solidFill>
+            <a:schemeClr val="accent5">
+              <a:lumMod val="40000"/>
+              <a:lumOff val="60000"/>
+            </a:schemeClr>
+          </a:solidFill>
           <a:ln>
             <a:solidFill>
-              <a:schemeClr val="accent6">
-                <a:lumMod val="40000"/>
-                <a:lumOff val="60000"/>
-              </a:schemeClr>
+              <a:schemeClr val="tx1"/>
             </a:solidFill>
           </a:ln>
         </p:spPr>
@@ -4723,24 +4732,21 @@
         </p:nvSpPr>
         <p:spPr>
           <a:xfrm>
-            <a:off x="1774032" y="1728788"/>
-            <a:ext cx="3500437" cy="4157662"/>
+            <a:off x="1831696" y="1834399"/>
+            <a:ext cx="3500437" cy="3189201"/>
           </a:xfrm>
           <a:prstGeom prst="rect">
             <a:avLst/>
           </a:prstGeom>
           <a:solidFill>
-            <a:schemeClr val="accent5">
+            <a:schemeClr val="accent1">
               <a:lumMod val="40000"/>
               <a:lumOff val="60000"/>
             </a:schemeClr>
           </a:solidFill>
           <a:ln>
             <a:solidFill>
-              <a:schemeClr val="accent6">
-                <a:lumMod val="40000"/>
-                <a:lumOff val="60000"/>
-              </a:schemeClr>
+              <a:schemeClr val="tx1"/>
             </a:solidFill>
           </a:ln>
         </p:spPr>
@@ -4783,7 +4789,7 @@
         </p:nvSpPr>
         <p:spPr>
           <a:xfrm>
-            <a:off x="1502568" y="1285876"/>
+            <a:off x="1574518" y="1535369"/>
             <a:ext cx="3800475" cy="461665"/>
           </a:xfrm>
           <a:prstGeom prst="rect">
@@ -4819,7 +4825,7 @@
         </p:nvSpPr>
         <p:spPr>
           <a:xfrm>
-            <a:off x="6153149" y="3026717"/>
+            <a:off x="6260819" y="2648098"/>
             <a:ext cx="1935957" cy="1145233"/>
           </a:xfrm>
           <a:prstGeom prst="rect">
@@ -4893,7 +4899,7 @@
         </p:nvCxnSpPr>
         <p:spPr>
           <a:xfrm>
-            <a:off x="5303043" y="3599333"/>
+            <a:off x="5410713" y="3220714"/>
             <a:ext cx="850106" cy="1"/>
           </a:xfrm>
           <a:prstGeom prst="straightConnector1">
@@ -4932,7 +4938,7 @@
         </p:nvSpPr>
         <p:spPr>
           <a:xfrm>
-            <a:off x="9080896" y="2648098"/>
+            <a:off x="9089233" y="2268426"/>
             <a:ext cx="1585913" cy="757237"/>
           </a:xfrm>
           <a:prstGeom prst="rect">
@@ -4967,7 +4973,11 @@
           <a:p>
             <a:pPr algn="ctr"/>
             <a:r>
-              <a:rPr lang="en-US" dirty="0"/>
+              <a:rPr lang="en-US" dirty="0">
+                <a:solidFill>
+                  <a:sysClr val="windowText" lastClr="000000"/>
+                </a:solidFill>
+              </a:rPr>
               <a:t>Core 1</a:t>
             </a:r>
           </a:p>
@@ -4987,7 +4997,7 @@
         </p:nvSpPr>
         <p:spPr>
           <a:xfrm>
-            <a:off x="9080897" y="3793331"/>
+            <a:off x="9089233" y="3567777"/>
             <a:ext cx="1585913" cy="757237"/>
           </a:xfrm>
           <a:prstGeom prst="rect">
@@ -5022,7 +5032,11 @@
           <a:p>
             <a:pPr algn="ctr"/>
             <a:r>
-              <a:rPr lang="en-US" dirty="0"/>
+              <a:rPr lang="en-US" dirty="0">
+                <a:solidFill>
+                  <a:sysClr val="windowText" lastClr="000000"/>
+                </a:solidFill>
+              </a:rPr>
               <a:t>Core 2</a:t>
             </a:r>
           </a:p>
@@ -5042,12 +5056,18 @@
         </p:nvSpPr>
         <p:spPr>
           <a:xfrm>
-            <a:off x="1985963" y="2000250"/>
+            <a:off x="2057913" y="2249743"/>
             <a:ext cx="3100387" cy="647848"/>
           </a:xfrm>
           <a:prstGeom prst="rect">
             <a:avLst/>
           </a:prstGeom>
+          <a:solidFill>
+            <a:schemeClr val="accent6">
+              <a:lumMod val="20000"/>
+              <a:lumOff val="80000"/>
+            </a:schemeClr>
+          </a:solidFill>
         </p:spPr>
         <p:style>
           <a:lnRef idx="2">
@@ -5070,14 +5090,269 @@
           <a:lstStyle/>
           <a:p>
             <a:pPr algn="ctr"/>
-            <a:endParaRPr lang="en-US"/>
-          </a:p>
-        </p:txBody>
-      </p:sp>
+            <a:r>
+              <a:rPr lang="en-US" dirty="0" err="1">
+                <a:solidFill>
+                  <a:sysClr val="windowText" lastClr="000000"/>
+                </a:solidFill>
+              </a:rPr>
+              <a:t>uartToDistance</a:t>
+            </a:r>
+            <a:endParaRPr lang="en-US" dirty="0">
+              <a:solidFill>
+                <a:sysClr val="windowText" lastClr="000000"/>
+              </a:solidFill>
+            </a:endParaRPr>
+          </a:p>
+        </p:txBody>
+      </p:sp>
+      <p:sp>
+        <p:nvSpPr>
+          <p:cNvPr id="2" name="Rectangle 1">
+            <a:extLst>
+              <a:ext uri="{FF2B5EF4-FFF2-40B4-BE49-F238E27FC236}">
+                <a16:creationId xmlns:a16="http://schemas.microsoft.com/office/drawing/2014/main" id="{6F2BCCD4-0087-F34B-D6AC-B05006B07A8C}"/>
+              </a:ext>
+            </a:extLst>
+          </p:cNvPr>
+          <p:cNvSpPr/>
+          <p:nvPr/>
+        </p:nvSpPr>
+        <p:spPr>
+          <a:xfrm>
+            <a:off x="2046006" y="3094716"/>
+            <a:ext cx="3100387" cy="647848"/>
+          </a:xfrm>
+          <a:prstGeom prst="rect">
+            <a:avLst/>
+          </a:prstGeom>
+          <a:solidFill>
+            <a:schemeClr val="accent6">
+              <a:lumMod val="20000"/>
+              <a:lumOff val="80000"/>
+            </a:schemeClr>
+          </a:solidFill>
+        </p:spPr>
+        <p:style>
+          <a:lnRef idx="2">
+            <a:schemeClr val="accent1">
+              <a:shade val="15000"/>
+            </a:schemeClr>
+          </a:lnRef>
+          <a:fillRef idx="1">
+            <a:schemeClr val="accent1"/>
+          </a:fillRef>
+          <a:effectRef idx="0">
+            <a:schemeClr val="accent1"/>
+          </a:effectRef>
+          <a:fontRef idx="minor">
+            <a:schemeClr val="lt1"/>
+          </a:fontRef>
+        </p:style>
+        <p:txBody>
+          <a:bodyPr rtlCol="0" anchor="ctr"/>
+          <a:lstStyle/>
+          <a:p>
+            <a:pPr algn="ctr"/>
+            <a:r>
+              <a:rPr lang="en-US" dirty="0" err="1">
+                <a:solidFill>
+                  <a:sysClr val="windowText" lastClr="000000"/>
+                </a:solidFill>
+              </a:rPr>
+              <a:t>keepMQTTAlive</a:t>
+            </a:r>
+            <a:endParaRPr lang="en-US" dirty="0">
+              <a:solidFill>
+                <a:sysClr val="windowText" lastClr="000000"/>
+              </a:solidFill>
+            </a:endParaRPr>
+          </a:p>
+        </p:txBody>
+      </p:sp>
+      <p:sp>
+        <p:nvSpPr>
+          <p:cNvPr id="3" name="Rectangle 2">
+            <a:extLst>
+              <a:ext uri="{FF2B5EF4-FFF2-40B4-BE49-F238E27FC236}">
+                <a16:creationId xmlns:a16="http://schemas.microsoft.com/office/drawing/2014/main" id="{51E64585-E6C6-528C-3FE2-D2CDE4FA5A3C}"/>
+              </a:ext>
+            </a:extLst>
+          </p:cNvPr>
+          <p:cNvSpPr/>
+          <p:nvPr/>
+        </p:nvSpPr>
+        <p:spPr>
+          <a:xfrm>
+            <a:off x="2024059" y="4001090"/>
+            <a:ext cx="3100387" cy="647848"/>
+          </a:xfrm>
+          <a:prstGeom prst="rect">
+            <a:avLst/>
+          </a:prstGeom>
+          <a:solidFill>
+            <a:schemeClr val="accent6">
+              <a:lumMod val="20000"/>
+              <a:lumOff val="80000"/>
+            </a:schemeClr>
+          </a:solidFill>
+        </p:spPr>
+        <p:style>
+          <a:lnRef idx="2">
+            <a:schemeClr val="accent1">
+              <a:shade val="15000"/>
+            </a:schemeClr>
+          </a:lnRef>
+          <a:fillRef idx="1">
+            <a:schemeClr val="accent1"/>
+          </a:fillRef>
+          <a:effectRef idx="0">
+            <a:schemeClr val="accent1"/>
+          </a:effectRef>
+          <a:fontRef idx="minor">
+            <a:schemeClr val="lt1"/>
+          </a:fontRef>
+        </p:style>
+        <p:txBody>
+          <a:bodyPr rtlCol="0" anchor="ctr"/>
+          <a:lstStyle/>
+          <a:p>
+            <a:pPr algn="ctr"/>
+            <a:r>
+              <a:rPr lang="en-US" dirty="0" err="1">
+                <a:solidFill>
+                  <a:sysClr val="windowText" lastClr="000000"/>
+                </a:solidFill>
+              </a:rPr>
+              <a:t>publishDeadreckoningData</a:t>
+            </a:r>
+            <a:endParaRPr lang="en-US" dirty="0">
+              <a:solidFill>
+                <a:sysClr val="windowText" lastClr="000000"/>
+              </a:solidFill>
+            </a:endParaRPr>
+          </a:p>
+        </p:txBody>
+      </p:sp>
+      <p:cxnSp>
+        <p:nvCxnSpPr>
+          <p:cNvPr id="11" name="Straight Arrow Connector 10">
+            <a:extLst>
+              <a:ext uri="{FF2B5EF4-FFF2-40B4-BE49-F238E27FC236}">
+                <a16:creationId xmlns:a16="http://schemas.microsoft.com/office/drawing/2014/main" id="{90040CBE-6E05-89DE-5B87-558FF887D491}"/>
+              </a:ext>
+            </a:extLst>
+          </p:cNvPr>
+          <p:cNvCxnSpPr>
+            <a:cxnSpLocks/>
+            <a:stCxn id="10" idx="3"/>
+            <a:endCxn id="13" idx="1"/>
+          </p:cNvCxnSpPr>
+          <p:nvPr/>
+        </p:nvCxnSpPr>
+        <p:spPr>
+          <a:xfrm flipV="1">
+            <a:off x="8196776" y="2647045"/>
+            <a:ext cx="892457" cy="573670"/>
+          </a:xfrm>
+          <a:prstGeom prst="straightConnector1">
+            <a:avLst/>
+          </a:prstGeom>
+          <a:ln w="34925">
+            <a:tailEnd type="triangle"/>
+          </a:ln>
+        </p:spPr>
+        <p:style>
+          <a:lnRef idx="1">
+            <a:schemeClr val="accent2"/>
+          </a:lnRef>
+          <a:fillRef idx="0">
+            <a:schemeClr val="accent2"/>
+          </a:fillRef>
+          <a:effectRef idx="0">
+            <a:schemeClr val="accent2"/>
+          </a:effectRef>
+          <a:fontRef idx="minor">
+            <a:schemeClr val="tx1"/>
+          </a:fontRef>
+        </p:style>
+      </p:cxnSp>
+      <p:cxnSp>
+        <p:nvCxnSpPr>
+          <p:cNvPr id="18" name="Straight Arrow Connector 17">
+            <a:extLst>
+              <a:ext uri="{FF2B5EF4-FFF2-40B4-BE49-F238E27FC236}">
+                <a16:creationId xmlns:a16="http://schemas.microsoft.com/office/drawing/2014/main" id="{953C8CE3-8520-BAFB-79E5-D9AD263DBBDD}"/>
+              </a:ext>
+            </a:extLst>
+          </p:cNvPr>
+          <p:cNvCxnSpPr>
+            <a:cxnSpLocks/>
+            <a:endCxn id="14" idx="1"/>
+          </p:cNvCxnSpPr>
+          <p:nvPr/>
+        </p:nvCxnSpPr>
+        <p:spPr>
+          <a:xfrm>
+            <a:off x="8196776" y="3246403"/>
+            <a:ext cx="892457" cy="699993"/>
+          </a:xfrm>
+          <a:prstGeom prst="straightConnector1">
+            <a:avLst/>
+          </a:prstGeom>
+          <a:ln w="34925">
+            <a:tailEnd type="triangle"/>
+          </a:ln>
+        </p:spPr>
+        <p:style>
+          <a:lnRef idx="1">
+            <a:schemeClr val="accent2"/>
+          </a:lnRef>
+          <a:fillRef idx="0">
+            <a:schemeClr val="accent2"/>
+          </a:fillRef>
+          <a:effectRef idx="0">
+            <a:schemeClr val="accent2"/>
+          </a:effectRef>
+          <a:fontRef idx="minor">
+            <a:schemeClr val="tx1"/>
+          </a:fontRef>
+        </p:style>
+      </p:cxnSp>
     </p:spTree>
     <p:extLst>
       <p:ext uri="{BB962C8B-B14F-4D97-AF65-F5344CB8AC3E}">
         <p14:creationId xmlns:p14="http://schemas.microsoft.com/office/powerpoint/2010/main" val="1870568908"/>
+      </p:ext>
+    </p:extLst>
+  </p:cSld>
+  <p:clrMapOvr>
+    <a:masterClrMapping/>
+  </p:clrMapOvr>
+</p:sld>
+</file>
+
+<file path=ppt/slides/slide3.xml><?xml version="1.0" encoding="utf-8"?>
+<p:sld xmlns:a="http://schemas.openxmlformats.org/drawingml/2006/main" xmlns:r="http://schemas.openxmlformats.org/officeDocument/2006/relationships" xmlns:p="http://schemas.openxmlformats.org/presentationml/2006/main">
+  <p:cSld>
+    <p:spTree>
+      <p:nvGrpSpPr>
+        <p:cNvPr id="1" name=""/>
+        <p:cNvGrpSpPr/>
+        <p:nvPr/>
+      </p:nvGrpSpPr>
+      <p:grpSpPr>
+        <a:xfrm>
+          <a:off x="0" y="0"/>
+          <a:ext cx="0" cy="0"/>
+          <a:chOff x="0" y="0"/>
+          <a:chExt cx="0" cy="0"/>
+        </a:xfrm>
+      </p:grpSpPr>
+    </p:spTree>
+    <p:extLst>
+      <p:ext uri="{BB962C8B-B14F-4D97-AF65-F5344CB8AC3E}">
+        <p14:creationId xmlns:p14="http://schemas.microsoft.com/office/powerpoint/2010/main" val="3507613458"/>
       </p:ext>
     </p:extLst>
   </p:cSld>

--- a/report/report diagrams.pptx
+++ b/report/report diagrams.pptx
@@ -4,6 +4,9 @@
   <p:sldMasterIdLst>
     <p:sldMasterId id="2147483648" r:id="rId1"/>
   </p:sldMasterIdLst>
+  <p:notesMasterIdLst>
+    <p:notesMasterId r:id="rId5"/>
+  </p:notesMasterIdLst>
   <p:sldIdLst>
     <p:sldId id="256" r:id="rId2"/>
     <p:sldId id="257" r:id="rId3"/>
@@ -112,6 +115,440 @@
     </p:ext>
   </p:extLst>
 </p:presentation>
+</file>
+
+<file path=ppt/notesMasters/notesMaster1.xml><?xml version="1.0" encoding="utf-8"?>
+<p:notesMaster xmlns:a="http://schemas.openxmlformats.org/drawingml/2006/main" xmlns:r="http://schemas.openxmlformats.org/officeDocument/2006/relationships" xmlns:p="http://schemas.openxmlformats.org/presentationml/2006/main">
+  <p:cSld>
+    <p:bg>
+      <p:bgRef idx="1001">
+        <a:schemeClr val="bg1"/>
+      </p:bgRef>
+    </p:bg>
+    <p:spTree>
+      <p:nvGrpSpPr>
+        <p:cNvPr id="1" name=""/>
+        <p:cNvGrpSpPr/>
+        <p:nvPr/>
+      </p:nvGrpSpPr>
+      <p:grpSpPr>
+        <a:xfrm>
+          <a:off x="0" y="0"/>
+          <a:ext cx="0" cy="0"/>
+          <a:chOff x="0" y="0"/>
+          <a:chExt cx="0" cy="0"/>
+        </a:xfrm>
+      </p:grpSpPr>
+      <p:sp>
+        <p:nvSpPr>
+          <p:cNvPr id="2" name="Header Placeholder 1"/>
+          <p:cNvSpPr>
+            <a:spLocks noGrp="1"/>
+          </p:cNvSpPr>
+          <p:nvPr>
+            <p:ph type="hdr" sz="quarter"/>
+          </p:nvPr>
+        </p:nvSpPr>
+        <p:spPr>
+          <a:xfrm>
+            <a:off x="0" y="0"/>
+            <a:ext cx="2971800" cy="458788"/>
+          </a:xfrm>
+          <a:prstGeom prst="rect">
+            <a:avLst/>
+          </a:prstGeom>
+        </p:spPr>
+        <p:txBody>
+          <a:bodyPr vert="horz" lIns="91440" tIns="45720" rIns="91440" bIns="45720" rtlCol="0"/>
+          <a:lstStyle>
+            <a:lvl1pPr algn="l">
+              <a:defRPr sz="1200"/>
+            </a:lvl1pPr>
+          </a:lstStyle>
+          <a:p>
+            <a:endParaRPr lang="en-US"/>
+          </a:p>
+        </p:txBody>
+      </p:sp>
+      <p:sp>
+        <p:nvSpPr>
+          <p:cNvPr id="3" name="Date Placeholder 2"/>
+          <p:cNvSpPr>
+            <a:spLocks noGrp="1"/>
+          </p:cNvSpPr>
+          <p:nvPr>
+            <p:ph type="dt" idx="1"/>
+          </p:nvPr>
+        </p:nvSpPr>
+        <p:spPr>
+          <a:xfrm>
+            <a:off x="3884613" y="0"/>
+            <a:ext cx="2971800" cy="458788"/>
+          </a:xfrm>
+          <a:prstGeom prst="rect">
+            <a:avLst/>
+          </a:prstGeom>
+        </p:spPr>
+        <p:txBody>
+          <a:bodyPr vert="horz" lIns="91440" tIns="45720" rIns="91440" bIns="45720" rtlCol="0"/>
+          <a:lstStyle>
+            <a:lvl1pPr algn="r">
+              <a:defRPr sz="1200"/>
+            </a:lvl1pPr>
+          </a:lstStyle>
+          <a:p>
+            <a:fld id="{3F93E8E0-5D27-1248-BE24-90C77D8996BA}" type="datetimeFigureOut">
+              <a:rPr lang="en-US" smtClean="0"/>
+              <a:t>6/16/23</a:t>
+            </a:fld>
+            <a:endParaRPr lang="en-US"/>
+          </a:p>
+        </p:txBody>
+      </p:sp>
+      <p:sp>
+        <p:nvSpPr>
+          <p:cNvPr id="4" name="Slide Image Placeholder 3"/>
+          <p:cNvSpPr>
+            <a:spLocks noGrp="1" noRot="1" noChangeAspect="1"/>
+          </p:cNvSpPr>
+          <p:nvPr>
+            <p:ph type="sldImg" idx="2"/>
+          </p:nvPr>
+        </p:nvSpPr>
+        <p:spPr>
+          <a:xfrm>
+            <a:off x="685800" y="1143000"/>
+            <a:ext cx="5486400" cy="3086100"/>
+          </a:xfrm>
+          <a:prstGeom prst="rect">
+            <a:avLst/>
+          </a:prstGeom>
+          <a:noFill/>
+          <a:ln w="12700">
+            <a:solidFill>
+              <a:prstClr val="black"/>
+            </a:solidFill>
+          </a:ln>
+        </p:spPr>
+        <p:txBody>
+          <a:bodyPr vert="horz" lIns="91440" tIns="45720" rIns="91440" bIns="45720" rtlCol="0" anchor="ctr"/>
+          <a:lstStyle/>
+          <a:p>
+            <a:endParaRPr lang="en-US"/>
+          </a:p>
+        </p:txBody>
+      </p:sp>
+      <p:sp>
+        <p:nvSpPr>
+          <p:cNvPr id="5" name="Notes Placeholder 4"/>
+          <p:cNvSpPr>
+            <a:spLocks noGrp="1"/>
+          </p:cNvSpPr>
+          <p:nvPr>
+            <p:ph type="body" sz="quarter" idx="3"/>
+          </p:nvPr>
+        </p:nvSpPr>
+        <p:spPr>
+          <a:xfrm>
+            <a:off x="685800" y="4400550"/>
+            <a:ext cx="5486400" cy="3600450"/>
+          </a:xfrm>
+          <a:prstGeom prst="rect">
+            <a:avLst/>
+          </a:prstGeom>
+        </p:spPr>
+        <p:txBody>
+          <a:bodyPr vert="horz" lIns="91440" tIns="45720" rIns="91440" bIns="45720" rtlCol="0"/>
+          <a:lstStyle/>
+          <a:p>
+            <a:pPr lvl="0"/>
+            <a:r>
+              <a:rPr lang="en-GB"/>
+              <a:t>Click to edit Master text styles</a:t>
+            </a:r>
+          </a:p>
+          <a:p>
+            <a:pPr lvl="1"/>
+            <a:r>
+              <a:rPr lang="en-GB"/>
+              <a:t>Second level</a:t>
+            </a:r>
+          </a:p>
+          <a:p>
+            <a:pPr lvl="2"/>
+            <a:r>
+              <a:rPr lang="en-GB"/>
+              <a:t>Third level</a:t>
+            </a:r>
+          </a:p>
+          <a:p>
+            <a:pPr lvl="3"/>
+            <a:r>
+              <a:rPr lang="en-GB"/>
+              <a:t>Fourth level</a:t>
+            </a:r>
+          </a:p>
+          <a:p>
+            <a:pPr lvl="4"/>
+            <a:r>
+              <a:rPr lang="en-GB"/>
+              <a:t>Fifth level</a:t>
+            </a:r>
+            <a:endParaRPr lang="en-US"/>
+          </a:p>
+        </p:txBody>
+      </p:sp>
+      <p:sp>
+        <p:nvSpPr>
+          <p:cNvPr id="6" name="Footer Placeholder 5"/>
+          <p:cNvSpPr>
+            <a:spLocks noGrp="1"/>
+          </p:cNvSpPr>
+          <p:nvPr>
+            <p:ph type="ftr" sz="quarter" idx="4"/>
+          </p:nvPr>
+        </p:nvSpPr>
+        <p:spPr>
+          <a:xfrm>
+            <a:off x="0" y="8685213"/>
+            <a:ext cx="2971800" cy="458787"/>
+          </a:xfrm>
+          <a:prstGeom prst="rect">
+            <a:avLst/>
+          </a:prstGeom>
+        </p:spPr>
+        <p:txBody>
+          <a:bodyPr vert="horz" lIns="91440" tIns="45720" rIns="91440" bIns="45720" rtlCol="0" anchor="b"/>
+          <a:lstStyle>
+            <a:lvl1pPr algn="l">
+              <a:defRPr sz="1200"/>
+            </a:lvl1pPr>
+          </a:lstStyle>
+          <a:p>
+            <a:endParaRPr lang="en-US"/>
+          </a:p>
+        </p:txBody>
+      </p:sp>
+      <p:sp>
+        <p:nvSpPr>
+          <p:cNvPr id="7" name="Slide Number Placeholder 6"/>
+          <p:cNvSpPr>
+            <a:spLocks noGrp="1"/>
+          </p:cNvSpPr>
+          <p:nvPr>
+            <p:ph type="sldNum" sz="quarter" idx="5"/>
+          </p:nvPr>
+        </p:nvSpPr>
+        <p:spPr>
+          <a:xfrm>
+            <a:off x="3884613" y="8685213"/>
+            <a:ext cx="2971800" cy="458787"/>
+          </a:xfrm>
+          <a:prstGeom prst="rect">
+            <a:avLst/>
+          </a:prstGeom>
+        </p:spPr>
+        <p:txBody>
+          <a:bodyPr vert="horz" lIns="91440" tIns="45720" rIns="91440" bIns="45720" rtlCol="0" anchor="b"/>
+          <a:lstStyle>
+            <a:lvl1pPr algn="r">
+              <a:defRPr sz="1200"/>
+            </a:lvl1pPr>
+          </a:lstStyle>
+          <a:p>
+            <a:fld id="{8EF14A49-7783-DD42-B5C3-84B16B893769}" type="slidenum">
+              <a:rPr lang="en-US" smtClean="0"/>
+              <a:t>‹#›</a:t>
+            </a:fld>
+            <a:endParaRPr lang="en-US"/>
+          </a:p>
+        </p:txBody>
+      </p:sp>
+    </p:spTree>
+    <p:extLst>
+      <p:ext uri="{BB962C8B-B14F-4D97-AF65-F5344CB8AC3E}">
+        <p14:creationId xmlns:p14="http://schemas.microsoft.com/office/powerpoint/2010/main" val="3774242792"/>
+      </p:ext>
+    </p:extLst>
+  </p:cSld>
+  <p:clrMap bg1="lt1" tx1="dk1" bg2="lt2" tx2="dk2" accent1="accent1" accent2="accent2" accent3="accent3" accent4="accent4" accent5="accent5" accent6="accent6" hlink="hlink" folHlink="folHlink"/>
+  <p:notesStyle>
+    <a:lvl1pPr marL="0" algn="l" defTabSz="914400" rtl="0" eaLnBrk="1" latinLnBrk="0" hangingPunct="1">
+      <a:defRPr sz="1200" kern="1200">
+        <a:solidFill>
+          <a:schemeClr val="tx1"/>
+        </a:solidFill>
+        <a:latin typeface="+mn-lt"/>
+        <a:ea typeface="+mn-ea"/>
+        <a:cs typeface="+mn-cs"/>
+      </a:defRPr>
+    </a:lvl1pPr>
+    <a:lvl2pPr marL="457200" algn="l" defTabSz="914400" rtl="0" eaLnBrk="1" latinLnBrk="0" hangingPunct="1">
+      <a:defRPr sz="1200" kern="1200">
+        <a:solidFill>
+          <a:schemeClr val="tx1"/>
+        </a:solidFill>
+        <a:latin typeface="+mn-lt"/>
+        <a:ea typeface="+mn-ea"/>
+        <a:cs typeface="+mn-cs"/>
+      </a:defRPr>
+    </a:lvl2pPr>
+    <a:lvl3pPr marL="914400" algn="l" defTabSz="914400" rtl="0" eaLnBrk="1" latinLnBrk="0" hangingPunct="1">
+      <a:defRPr sz="1200" kern="1200">
+        <a:solidFill>
+          <a:schemeClr val="tx1"/>
+        </a:solidFill>
+        <a:latin typeface="+mn-lt"/>
+        <a:ea typeface="+mn-ea"/>
+        <a:cs typeface="+mn-cs"/>
+      </a:defRPr>
+    </a:lvl3pPr>
+    <a:lvl4pPr marL="1371600" algn="l" defTabSz="914400" rtl="0" eaLnBrk="1" latinLnBrk="0" hangingPunct="1">
+      <a:defRPr sz="1200" kern="1200">
+        <a:solidFill>
+          <a:schemeClr val="tx1"/>
+        </a:solidFill>
+        <a:latin typeface="+mn-lt"/>
+        <a:ea typeface="+mn-ea"/>
+        <a:cs typeface="+mn-cs"/>
+      </a:defRPr>
+    </a:lvl4pPr>
+    <a:lvl5pPr marL="1828800" algn="l" defTabSz="914400" rtl="0" eaLnBrk="1" latinLnBrk="0" hangingPunct="1">
+      <a:defRPr sz="1200" kern="1200">
+        <a:solidFill>
+          <a:schemeClr val="tx1"/>
+        </a:solidFill>
+        <a:latin typeface="+mn-lt"/>
+        <a:ea typeface="+mn-ea"/>
+        <a:cs typeface="+mn-cs"/>
+      </a:defRPr>
+    </a:lvl5pPr>
+    <a:lvl6pPr marL="2286000" algn="l" defTabSz="914400" rtl="0" eaLnBrk="1" latinLnBrk="0" hangingPunct="1">
+      <a:defRPr sz="1200" kern="1200">
+        <a:solidFill>
+          <a:schemeClr val="tx1"/>
+        </a:solidFill>
+        <a:latin typeface="+mn-lt"/>
+        <a:ea typeface="+mn-ea"/>
+        <a:cs typeface="+mn-cs"/>
+      </a:defRPr>
+    </a:lvl6pPr>
+    <a:lvl7pPr marL="2743200" algn="l" defTabSz="914400" rtl="0" eaLnBrk="1" latinLnBrk="0" hangingPunct="1">
+      <a:defRPr sz="1200" kern="1200">
+        <a:solidFill>
+          <a:schemeClr val="tx1"/>
+        </a:solidFill>
+        <a:latin typeface="+mn-lt"/>
+        <a:ea typeface="+mn-ea"/>
+        <a:cs typeface="+mn-cs"/>
+      </a:defRPr>
+    </a:lvl7pPr>
+    <a:lvl8pPr marL="3200400" algn="l" defTabSz="914400" rtl="0" eaLnBrk="1" latinLnBrk="0" hangingPunct="1">
+      <a:defRPr sz="1200" kern="1200">
+        <a:solidFill>
+          <a:schemeClr val="tx1"/>
+        </a:solidFill>
+        <a:latin typeface="+mn-lt"/>
+        <a:ea typeface="+mn-ea"/>
+        <a:cs typeface="+mn-cs"/>
+      </a:defRPr>
+    </a:lvl8pPr>
+    <a:lvl9pPr marL="3657600" algn="l" defTabSz="914400" rtl="0" eaLnBrk="1" latinLnBrk="0" hangingPunct="1">
+      <a:defRPr sz="1200" kern="1200">
+        <a:solidFill>
+          <a:schemeClr val="tx1"/>
+        </a:solidFill>
+        <a:latin typeface="+mn-lt"/>
+        <a:ea typeface="+mn-ea"/>
+        <a:cs typeface="+mn-cs"/>
+      </a:defRPr>
+    </a:lvl9pPr>
+  </p:notesStyle>
+</p:notesMaster>
+</file>
+
+<file path=ppt/notesSlides/notesSlide1.xml><?xml version="1.0" encoding="utf-8"?>
+<p:notes xmlns:a="http://schemas.openxmlformats.org/drawingml/2006/main" xmlns:r="http://schemas.openxmlformats.org/officeDocument/2006/relationships" xmlns:p="http://schemas.openxmlformats.org/presentationml/2006/main">
+  <p:cSld>
+    <p:spTree>
+      <p:nvGrpSpPr>
+        <p:cNvPr id="1" name=""/>
+        <p:cNvGrpSpPr/>
+        <p:nvPr/>
+      </p:nvGrpSpPr>
+      <p:grpSpPr>
+        <a:xfrm>
+          <a:off x="0" y="0"/>
+          <a:ext cx="0" cy="0"/>
+          <a:chOff x="0" y="0"/>
+          <a:chExt cx="0" cy="0"/>
+        </a:xfrm>
+      </p:grpSpPr>
+      <p:sp>
+        <p:nvSpPr>
+          <p:cNvPr id="2" name="Slide Image Placeholder 1"/>
+          <p:cNvSpPr>
+            <a:spLocks noGrp="1" noRot="1" noChangeAspect="1"/>
+          </p:cNvSpPr>
+          <p:nvPr>
+            <p:ph type="sldImg"/>
+          </p:nvPr>
+        </p:nvSpPr>
+        <p:spPr/>
+      </p:sp>
+      <p:sp>
+        <p:nvSpPr>
+          <p:cNvPr id="3" name="Notes Placeholder 2"/>
+          <p:cNvSpPr>
+            <a:spLocks noGrp="1"/>
+          </p:cNvSpPr>
+          <p:nvPr>
+            <p:ph type="body" idx="1"/>
+          </p:nvPr>
+        </p:nvSpPr>
+        <p:spPr/>
+        <p:txBody>
+          <a:bodyPr/>
+          <a:lstStyle/>
+          <a:p>
+            <a:endParaRPr lang="en-US" dirty="0"/>
+          </a:p>
+        </p:txBody>
+      </p:sp>
+      <p:sp>
+        <p:nvSpPr>
+          <p:cNvPr id="4" name="Slide Number Placeholder 3"/>
+          <p:cNvSpPr>
+            <a:spLocks noGrp="1"/>
+          </p:cNvSpPr>
+          <p:nvPr>
+            <p:ph type="sldNum" sz="quarter" idx="5"/>
+          </p:nvPr>
+        </p:nvSpPr>
+        <p:spPr/>
+        <p:txBody>
+          <a:bodyPr/>
+          <a:lstStyle/>
+          <a:p>
+            <a:fld id="{8EF14A49-7783-DD42-B5C3-84B16B893769}" type="slidenum">
+              <a:rPr lang="en-US" smtClean="0"/>
+              <a:t>2</a:t>
+            </a:fld>
+            <a:endParaRPr lang="en-US"/>
+          </a:p>
+        </p:txBody>
+      </p:sp>
+    </p:spTree>
+    <p:extLst>
+      <p:ext uri="{BB962C8B-B14F-4D97-AF65-F5344CB8AC3E}">
+        <p14:creationId xmlns:p14="http://schemas.microsoft.com/office/powerpoint/2010/main" val="2025566881"/>
+      </p:ext>
+    </p:extLst>
+  </p:cSld>
+  <p:clrMapOvr>
+    <a:masterClrMapping/>
+  </p:clrMapOvr>
+</p:notes>
 </file>
 
 <file path=ppt/slideLayouts/slideLayout1.xml><?xml version="1.0" encoding="utf-8"?>
@@ -4789,7 +5226,7 @@
         </p:nvSpPr>
         <p:spPr>
           <a:xfrm>
-            <a:off x="1574518" y="1535369"/>
+            <a:off x="1610238" y="1388752"/>
             <a:ext cx="3800475" cy="461665"/>
           </a:xfrm>
           <a:prstGeom prst="rect">
@@ -5349,6 +5786,659 @@
           <a:chExt cx="0" cy="0"/>
         </a:xfrm>
       </p:grpSpPr>
+      <p:sp>
+        <p:nvSpPr>
+          <p:cNvPr id="5" name="Rectangle 4">
+            <a:extLst>
+              <a:ext uri="{FF2B5EF4-FFF2-40B4-BE49-F238E27FC236}">
+                <a16:creationId xmlns:a16="http://schemas.microsoft.com/office/drawing/2014/main" id="{6F204549-01F1-98C6-6D43-97F60418CA6A}"/>
+              </a:ext>
+            </a:extLst>
+          </p:cNvPr>
+          <p:cNvSpPr/>
+          <p:nvPr/>
+        </p:nvSpPr>
+        <p:spPr>
+          <a:xfrm>
+            <a:off x="4371976" y="4857750"/>
+            <a:ext cx="957262" cy="1300162"/>
+          </a:xfrm>
+          <a:prstGeom prst="rect">
+            <a:avLst/>
+          </a:prstGeom>
+        </p:spPr>
+        <p:style>
+          <a:lnRef idx="2">
+            <a:schemeClr val="accent1">
+              <a:shade val="15000"/>
+            </a:schemeClr>
+          </a:lnRef>
+          <a:fillRef idx="1">
+            <a:schemeClr val="accent1"/>
+          </a:fillRef>
+          <a:effectRef idx="0">
+            <a:schemeClr val="accent1"/>
+          </a:effectRef>
+          <a:fontRef idx="minor">
+            <a:schemeClr val="lt1"/>
+          </a:fontRef>
+        </p:style>
+        <p:txBody>
+          <a:bodyPr rtlCol="0" anchor="ctr"/>
+          <a:lstStyle/>
+          <a:p>
+            <a:pPr algn="ctr"/>
+            <a:endParaRPr lang="en-US"/>
+          </a:p>
+        </p:txBody>
+      </p:sp>
+      <p:sp>
+        <p:nvSpPr>
+          <p:cNvPr id="6" name="Oval 5">
+            <a:extLst>
+              <a:ext uri="{FF2B5EF4-FFF2-40B4-BE49-F238E27FC236}">
+                <a16:creationId xmlns:a16="http://schemas.microsoft.com/office/drawing/2014/main" id="{D3A9B4D0-3366-8820-2EDB-944739EE9C91}"/>
+              </a:ext>
+            </a:extLst>
+          </p:cNvPr>
+          <p:cNvSpPr/>
+          <p:nvPr/>
+        </p:nvSpPr>
+        <p:spPr>
+          <a:xfrm>
+            <a:off x="4293395" y="5557837"/>
+            <a:ext cx="157162" cy="600075"/>
+          </a:xfrm>
+          <a:prstGeom prst="ellipse">
+            <a:avLst/>
+          </a:prstGeom>
+          <a:solidFill>
+            <a:schemeClr val="accent4">
+              <a:lumMod val="20000"/>
+              <a:lumOff val="80000"/>
+            </a:schemeClr>
+          </a:solidFill>
+        </p:spPr>
+        <p:style>
+          <a:lnRef idx="2">
+            <a:schemeClr val="accent1">
+              <a:shade val="15000"/>
+            </a:schemeClr>
+          </a:lnRef>
+          <a:fillRef idx="1">
+            <a:schemeClr val="accent1"/>
+          </a:fillRef>
+          <a:effectRef idx="0">
+            <a:schemeClr val="accent1"/>
+          </a:effectRef>
+          <a:fontRef idx="minor">
+            <a:schemeClr val="lt1"/>
+          </a:fontRef>
+        </p:style>
+        <p:txBody>
+          <a:bodyPr rtlCol="0" anchor="ctr"/>
+          <a:lstStyle/>
+          <a:p>
+            <a:pPr algn="ctr"/>
+            <a:endParaRPr lang="en-US"/>
+          </a:p>
+        </p:txBody>
+      </p:sp>
+      <p:sp>
+        <p:nvSpPr>
+          <p:cNvPr id="7" name="Oval 6">
+            <a:extLst>
+              <a:ext uri="{FF2B5EF4-FFF2-40B4-BE49-F238E27FC236}">
+                <a16:creationId xmlns:a16="http://schemas.microsoft.com/office/drawing/2014/main" id="{4EA301A3-7A64-7D5D-9BB1-8E0AFB18FF9D}"/>
+              </a:ext>
+            </a:extLst>
+          </p:cNvPr>
+          <p:cNvSpPr/>
+          <p:nvPr/>
+        </p:nvSpPr>
+        <p:spPr>
+          <a:xfrm>
+            <a:off x="5250657" y="5557837"/>
+            <a:ext cx="157162" cy="600075"/>
+          </a:xfrm>
+          <a:prstGeom prst="ellipse">
+            <a:avLst/>
+          </a:prstGeom>
+          <a:solidFill>
+            <a:schemeClr val="accent4">
+              <a:lumMod val="20000"/>
+              <a:lumOff val="80000"/>
+            </a:schemeClr>
+          </a:solidFill>
+        </p:spPr>
+        <p:style>
+          <a:lnRef idx="2">
+            <a:schemeClr val="accent1">
+              <a:shade val="15000"/>
+            </a:schemeClr>
+          </a:lnRef>
+          <a:fillRef idx="1">
+            <a:schemeClr val="accent1"/>
+          </a:fillRef>
+          <a:effectRef idx="0">
+            <a:schemeClr val="accent1"/>
+          </a:effectRef>
+          <a:fontRef idx="minor">
+            <a:schemeClr val="lt1"/>
+          </a:fontRef>
+        </p:style>
+        <p:txBody>
+          <a:bodyPr rtlCol="0" anchor="ctr"/>
+          <a:lstStyle/>
+          <a:p>
+            <a:pPr algn="ctr"/>
+            <a:endParaRPr lang="en-US"/>
+          </a:p>
+        </p:txBody>
+      </p:sp>
+      <p:cxnSp>
+        <p:nvCxnSpPr>
+          <p:cNvPr id="9" name="Straight Connector 8">
+            <a:extLst>
+              <a:ext uri="{FF2B5EF4-FFF2-40B4-BE49-F238E27FC236}">
+                <a16:creationId xmlns:a16="http://schemas.microsoft.com/office/drawing/2014/main" id="{59A28A7A-20E4-8768-AA41-B11C8A0696BB}"/>
+              </a:ext>
+            </a:extLst>
+          </p:cNvPr>
+          <p:cNvCxnSpPr/>
+          <p:nvPr/>
+        </p:nvCxnSpPr>
+        <p:spPr>
+          <a:xfrm>
+            <a:off x="4000501" y="1871663"/>
+            <a:ext cx="0" cy="4429125"/>
+          </a:xfrm>
+          <a:prstGeom prst="line">
+            <a:avLst/>
+          </a:prstGeom>
+          <a:ln w="15875"/>
+        </p:spPr>
+        <p:style>
+          <a:lnRef idx="1">
+            <a:schemeClr val="dk1"/>
+          </a:lnRef>
+          <a:fillRef idx="0">
+            <a:schemeClr val="dk1"/>
+          </a:fillRef>
+          <a:effectRef idx="0">
+            <a:schemeClr val="dk1"/>
+          </a:effectRef>
+          <a:fontRef idx="minor">
+            <a:schemeClr val="tx1"/>
+          </a:fontRef>
+        </p:style>
+      </p:cxnSp>
+      <p:cxnSp>
+        <p:nvCxnSpPr>
+          <p:cNvPr id="10" name="Straight Connector 9">
+            <a:extLst>
+              <a:ext uri="{FF2B5EF4-FFF2-40B4-BE49-F238E27FC236}">
+                <a16:creationId xmlns:a16="http://schemas.microsoft.com/office/drawing/2014/main" id="{44412070-7A16-FCDE-03C2-712E59A4FFC7}"/>
+              </a:ext>
+            </a:extLst>
+          </p:cNvPr>
+          <p:cNvCxnSpPr>
+            <a:cxnSpLocks/>
+          </p:cNvCxnSpPr>
+          <p:nvPr/>
+        </p:nvCxnSpPr>
+        <p:spPr>
+          <a:xfrm>
+            <a:off x="5681664" y="2543175"/>
+            <a:ext cx="0" cy="3814762"/>
+          </a:xfrm>
+          <a:prstGeom prst="line">
+            <a:avLst/>
+          </a:prstGeom>
+          <a:ln w="15875"/>
+        </p:spPr>
+        <p:style>
+          <a:lnRef idx="1">
+            <a:schemeClr val="dk1"/>
+          </a:lnRef>
+          <a:fillRef idx="0">
+            <a:schemeClr val="dk1"/>
+          </a:fillRef>
+          <a:effectRef idx="0">
+            <a:schemeClr val="dk1"/>
+          </a:effectRef>
+          <a:fontRef idx="minor">
+            <a:schemeClr val="tx1"/>
+          </a:fontRef>
+        </p:style>
+      </p:cxnSp>
+      <p:cxnSp>
+        <p:nvCxnSpPr>
+          <p:cNvPr id="12" name="Straight Connector 11">
+            <a:extLst>
+              <a:ext uri="{FF2B5EF4-FFF2-40B4-BE49-F238E27FC236}">
+                <a16:creationId xmlns:a16="http://schemas.microsoft.com/office/drawing/2014/main" id="{9DF40A6F-8C65-E7E3-E333-90801AE470B5}"/>
+              </a:ext>
+            </a:extLst>
+          </p:cNvPr>
+          <p:cNvCxnSpPr>
+            <a:cxnSpLocks/>
+          </p:cNvCxnSpPr>
+          <p:nvPr/>
+        </p:nvCxnSpPr>
+        <p:spPr>
+          <a:xfrm flipV="1">
+            <a:off x="4000501" y="128588"/>
+            <a:ext cx="3362326" cy="1743075"/>
+          </a:xfrm>
+          <a:prstGeom prst="line">
+            <a:avLst/>
+          </a:prstGeom>
+          <a:ln w="15875"/>
+        </p:spPr>
+        <p:style>
+          <a:lnRef idx="1">
+            <a:schemeClr val="dk1"/>
+          </a:lnRef>
+          <a:fillRef idx="0">
+            <a:schemeClr val="dk1"/>
+          </a:fillRef>
+          <a:effectRef idx="0">
+            <a:schemeClr val="dk1"/>
+          </a:effectRef>
+          <a:fontRef idx="minor">
+            <a:schemeClr val="tx1"/>
+          </a:fontRef>
+        </p:style>
+      </p:cxnSp>
+      <p:cxnSp>
+        <p:nvCxnSpPr>
+          <p:cNvPr id="15" name="Straight Connector 14">
+            <a:extLst>
+              <a:ext uri="{FF2B5EF4-FFF2-40B4-BE49-F238E27FC236}">
+                <a16:creationId xmlns:a16="http://schemas.microsoft.com/office/drawing/2014/main" id="{DF7C4513-2CF5-7650-4549-C0BC38302961}"/>
+              </a:ext>
+            </a:extLst>
+          </p:cNvPr>
+          <p:cNvCxnSpPr>
+            <a:cxnSpLocks/>
+          </p:cNvCxnSpPr>
+          <p:nvPr/>
+        </p:nvCxnSpPr>
+        <p:spPr>
+          <a:xfrm flipV="1">
+            <a:off x="5681664" y="800100"/>
+            <a:ext cx="3362326" cy="1743075"/>
+          </a:xfrm>
+          <a:prstGeom prst="line">
+            <a:avLst/>
+          </a:prstGeom>
+          <a:ln w="15875"/>
+        </p:spPr>
+        <p:style>
+          <a:lnRef idx="1">
+            <a:schemeClr val="dk1"/>
+          </a:lnRef>
+          <a:fillRef idx="0">
+            <a:schemeClr val="dk1"/>
+          </a:fillRef>
+          <a:effectRef idx="0">
+            <a:schemeClr val="dk1"/>
+          </a:effectRef>
+          <a:fontRef idx="minor">
+            <a:schemeClr val="tx1"/>
+          </a:fontRef>
+        </p:style>
+      </p:cxnSp>
+      <p:cxnSp>
+        <p:nvCxnSpPr>
+          <p:cNvPr id="21" name="Straight Connector 20">
+            <a:extLst>
+              <a:ext uri="{FF2B5EF4-FFF2-40B4-BE49-F238E27FC236}">
+                <a16:creationId xmlns:a16="http://schemas.microsoft.com/office/drawing/2014/main" id="{3C249950-4226-96CA-51EE-739870A91E71}"/>
+              </a:ext>
+            </a:extLst>
+          </p:cNvPr>
+          <p:cNvCxnSpPr>
+            <a:cxnSpLocks/>
+          </p:cNvCxnSpPr>
+          <p:nvPr/>
+        </p:nvCxnSpPr>
+        <p:spPr>
+          <a:xfrm>
+            <a:off x="4850607" y="2243138"/>
+            <a:ext cx="0" cy="2357437"/>
+          </a:xfrm>
+          <a:prstGeom prst="line">
+            <a:avLst/>
+          </a:prstGeom>
+        </p:spPr>
+        <p:style>
+          <a:lnRef idx="1">
+            <a:schemeClr val="accent1"/>
+          </a:lnRef>
+          <a:fillRef idx="0">
+            <a:schemeClr val="accent1"/>
+          </a:fillRef>
+          <a:effectRef idx="0">
+            <a:schemeClr val="accent1"/>
+          </a:effectRef>
+          <a:fontRef idx="minor">
+            <a:schemeClr val="tx1"/>
+          </a:fontRef>
+        </p:style>
+      </p:cxnSp>
+      <p:cxnSp>
+        <p:nvCxnSpPr>
+          <p:cNvPr id="23" name="Straight Connector 22">
+            <a:extLst>
+              <a:ext uri="{FF2B5EF4-FFF2-40B4-BE49-F238E27FC236}">
+                <a16:creationId xmlns:a16="http://schemas.microsoft.com/office/drawing/2014/main" id="{722E9A6E-C3CB-98BF-F86A-9A943D82575F}"/>
+              </a:ext>
+            </a:extLst>
+          </p:cNvPr>
+          <p:cNvCxnSpPr>
+            <a:cxnSpLocks/>
+          </p:cNvCxnSpPr>
+          <p:nvPr/>
+        </p:nvCxnSpPr>
+        <p:spPr>
+          <a:xfrm flipV="1">
+            <a:off x="4831558" y="528638"/>
+            <a:ext cx="3212305" cy="1714500"/>
+          </a:xfrm>
+          <a:prstGeom prst="line">
+            <a:avLst/>
+          </a:prstGeom>
+        </p:spPr>
+        <p:style>
+          <a:lnRef idx="1">
+            <a:schemeClr val="accent1"/>
+          </a:lnRef>
+          <a:fillRef idx="0">
+            <a:schemeClr val="accent1"/>
+          </a:fillRef>
+          <a:effectRef idx="0">
+            <a:schemeClr val="accent1"/>
+          </a:effectRef>
+          <a:fontRef idx="minor">
+            <a:schemeClr val="tx1"/>
+          </a:fontRef>
+        </p:style>
+      </p:cxnSp>
+      <p:sp>
+        <p:nvSpPr>
+          <p:cNvPr id="28" name="Freeform 27">
+            <a:extLst>
+              <a:ext uri="{FF2B5EF4-FFF2-40B4-BE49-F238E27FC236}">
+                <a16:creationId xmlns:a16="http://schemas.microsoft.com/office/drawing/2014/main" id="{FCB9DEAB-0E9E-17D4-9652-BE1C988DC011}"/>
+              </a:ext>
+            </a:extLst>
+          </p:cNvPr>
+          <p:cNvSpPr/>
+          <p:nvPr/>
+        </p:nvSpPr>
+        <p:spPr>
+          <a:xfrm>
+            <a:off x="5700713" y="2328863"/>
+            <a:ext cx="656280" cy="828675"/>
+          </a:xfrm>
+          <a:custGeom>
+            <a:avLst/>
+            <a:gdLst>
+              <a:gd name="connsiteX0" fmla="*/ 485775 w 656280"/>
+              <a:gd name="connsiteY0" fmla="*/ 0 h 828675"/>
+              <a:gd name="connsiteX1" fmla="*/ 628650 w 656280"/>
+              <a:gd name="connsiteY1" fmla="*/ 557212 h 828675"/>
+              <a:gd name="connsiteX2" fmla="*/ 0 w 656280"/>
+              <a:gd name="connsiteY2" fmla="*/ 828675 h 828675"/>
+            </a:gdLst>
+            <a:ahLst/>
+            <a:cxnLst>
+              <a:cxn ang="0">
+                <a:pos x="connsiteX0" y="connsiteY0"/>
+              </a:cxn>
+              <a:cxn ang="0">
+                <a:pos x="connsiteX1" y="connsiteY1"/>
+              </a:cxn>
+              <a:cxn ang="0">
+                <a:pos x="connsiteX2" y="connsiteY2"/>
+              </a:cxn>
+            </a:cxnLst>
+            <a:rect l="l" t="t" r="r" b="b"/>
+            <a:pathLst>
+              <a:path w="656280" h="828675">
+                <a:moveTo>
+                  <a:pt x="485775" y="0"/>
+                </a:moveTo>
+                <a:cubicBezTo>
+                  <a:pt x="597693" y="209550"/>
+                  <a:pt x="709612" y="419100"/>
+                  <a:pt x="628650" y="557212"/>
+                </a:cubicBezTo>
+                <a:cubicBezTo>
+                  <a:pt x="547688" y="695324"/>
+                  <a:pt x="273844" y="761999"/>
+                  <a:pt x="0" y="828675"/>
+                </a:cubicBezTo>
+              </a:path>
+            </a:pathLst>
+          </a:custGeom>
+          <a:noFill/>
+        </p:spPr>
+        <p:style>
+          <a:lnRef idx="2">
+            <a:schemeClr val="accent1">
+              <a:shade val="15000"/>
+            </a:schemeClr>
+          </a:lnRef>
+          <a:fillRef idx="1">
+            <a:schemeClr val="accent1"/>
+          </a:fillRef>
+          <a:effectRef idx="0">
+            <a:schemeClr val="accent1"/>
+          </a:effectRef>
+          <a:fontRef idx="minor">
+            <a:schemeClr val="lt1"/>
+          </a:fontRef>
+        </p:style>
+        <p:txBody>
+          <a:bodyPr rtlCol="0" anchor="ctr"/>
+          <a:lstStyle/>
+          <a:p>
+            <a:pPr algn="ctr"/>
+            <a:endParaRPr lang="en-US"/>
+          </a:p>
+        </p:txBody>
+      </p:sp>
+      <mc:AlternateContent xmlns:mc="http://schemas.openxmlformats.org/markup-compatibility/2006">
+        <mc:Choice xmlns:a14="http://schemas.microsoft.com/office/drawing/2010/main" Requires="a14">
+          <p:sp>
+            <p:nvSpPr>
+              <p:cNvPr id="29" name="TextBox 28">
+                <a:extLst>
+                  <a:ext uri="{FF2B5EF4-FFF2-40B4-BE49-F238E27FC236}">
+                    <a16:creationId xmlns:a16="http://schemas.microsoft.com/office/drawing/2014/main" id="{D5FF158C-6A19-CF62-D508-93BD230127EA}"/>
+                  </a:ext>
+                </a:extLst>
+              </p:cNvPr>
+              <p:cNvSpPr txBox="1"/>
+              <p:nvPr/>
+            </p:nvSpPr>
+            <p:spPr>
+              <a:xfrm>
+                <a:off x="6117230" y="2858512"/>
+                <a:ext cx="1245597" cy="584775"/>
+              </a:xfrm>
+              <a:prstGeom prst="rect">
+                <a:avLst/>
+              </a:prstGeom>
+              <a:noFill/>
+            </p:spPr>
+            <p:txBody>
+              <a:bodyPr wrap="none" rtlCol="0">
+                <a:spAutoFit/>
+              </a:bodyPr>
+              <a:lstStyle/>
+              <a:p>
+                <a14:m>
+                  <m:oMathPara xmlns:m="http://schemas.openxmlformats.org/officeDocument/2006/math">
+                    <m:oMathParaPr>
+                      <m:jc m:val="centerGroup"/>
+                    </m:oMathParaPr>
+                    <m:oMath xmlns:m="http://schemas.openxmlformats.org/officeDocument/2006/math">
+                      <m:sSub>
+                        <m:sSubPr>
+                          <m:ctrlPr>
+                            <a:rPr lang="el-GR" sz="3200" i="1" dirty="0" smtClean="0">
+                              <a:latin typeface="Cambria Math" panose="02040503050406030204" pitchFamily="18" charset="0"/>
+                            </a:rPr>
+                          </m:ctrlPr>
+                        </m:sSubPr>
+                        <m:e>
+                          <m:r>
+                            <m:rPr>
+                              <m:sty m:val="p"/>
+                            </m:rPr>
+                            <a:rPr lang="el-GR" sz="3200" dirty="0">
+                              <a:latin typeface="Cambria Math" panose="02040503050406030204" pitchFamily="18" charset="0"/>
+                            </a:rPr>
+                            <m:t>Θ</m:t>
+                          </m:r>
+                        </m:e>
+                        <m:sub>
+                          <m:r>
+                            <a:rPr lang="en-GB" sz="3200" b="0" i="1" dirty="0" smtClean="0">
+                              <a:latin typeface="Cambria Math" panose="02040503050406030204" pitchFamily="18" charset="0"/>
+                            </a:rPr>
+                            <m:t>𝑡𝑢𝑟𝑛</m:t>
+                          </m:r>
+                        </m:sub>
+                      </m:sSub>
+                    </m:oMath>
+                  </m:oMathPara>
+                </a14:m>
+                <a:endParaRPr lang="en-US" sz="3200" dirty="0"/>
+              </a:p>
+            </p:txBody>
+          </p:sp>
+        </mc:Choice>
+        <mc:Fallback>
+          <p:sp>
+            <p:nvSpPr>
+              <p:cNvPr id="29" name="TextBox 28">
+                <a:extLst>
+                  <a:ext uri="{FF2B5EF4-FFF2-40B4-BE49-F238E27FC236}">
+                    <a16:creationId xmlns:a16="http://schemas.microsoft.com/office/drawing/2014/main" id="{D5FF158C-6A19-CF62-D508-93BD230127EA}"/>
+                  </a:ext>
+                </a:extLst>
+              </p:cNvPr>
+              <p:cNvSpPr txBox="1">
+                <a:spLocks noRot="1" noChangeAspect="1" noMove="1" noResize="1" noEditPoints="1" noAdjustHandles="1" noChangeArrowheads="1" noChangeShapeType="1" noTextEdit="1"/>
+              </p:cNvSpPr>
+              <p:nvPr/>
+            </p:nvSpPr>
+            <p:spPr>
+              <a:xfrm>
+                <a:off x="6117230" y="2858512"/>
+                <a:ext cx="1245597" cy="584775"/>
+              </a:xfrm>
+              <a:prstGeom prst="rect">
+                <a:avLst/>
+              </a:prstGeom>
+              <a:blipFill>
+                <a:blip r:embed="rId2"/>
+                <a:stretch>
+                  <a:fillRect b="-6383"/>
+                </a:stretch>
+              </a:blipFill>
+            </p:spPr>
+            <p:txBody>
+              <a:bodyPr/>
+              <a:lstStyle/>
+              <a:p>
+                <a:r>
+                  <a:rPr lang="en-US">
+                    <a:noFill/>
+                  </a:rPr>
+                  <a:t> </a:t>
+                </a:r>
+              </a:p>
+            </p:txBody>
+          </p:sp>
+        </mc:Fallback>
+      </mc:AlternateContent>
+      <p:cxnSp>
+        <p:nvCxnSpPr>
+          <p:cNvPr id="33" name="Straight Connector 32">
+            <a:extLst>
+              <a:ext uri="{FF2B5EF4-FFF2-40B4-BE49-F238E27FC236}">
+                <a16:creationId xmlns:a16="http://schemas.microsoft.com/office/drawing/2014/main" id="{994A7F61-004B-7A76-2C63-572259BD70ED}"/>
+              </a:ext>
+            </a:extLst>
+          </p:cNvPr>
+          <p:cNvCxnSpPr/>
+          <p:nvPr/>
+        </p:nvCxnSpPr>
+        <p:spPr>
+          <a:xfrm flipV="1">
+            <a:off x="5329238" y="5029200"/>
+            <a:ext cx="1410790" cy="214313"/>
+          </a:xfrm>
+          <a:prstGeom prst="line">
+            <a:avLst/>
+          </a:prstGeom>
+        </p:spPr>
+        <p:style>
+          <a:lnRef idx="2">
+            <a:schemeClr val="accent2"/>
+          </a:lnRef>
+          <a:fillRef idx="0">
+            <a:schemeClr val="accent2"/>
+          </a:fillRef>
+          <a:effectRef idx="1">
+            <a:schemeClr val="accent2"/>
+          </a:effectRef>
+          <a:fontRef idx="minor">
+            <a:schemeClr val="tx1"/>
+          </a:fontRef>
+        </p:style>
+      </p:cxnSp>
+      <p:sp>
+        <p:nvSpPr>
+          <p:cNvPr id="34" name="TextBox 33">
+            <a:extLst>
+              <a:ext uri="{FF2B5EF4-FFF2-40B4-BE49-F238E27FC236}">
+                <a16:creationId xmlns:a16="http://schemas.microsoft.com/office/drawing/2014/main" id="{5E9DE71F-871D-B8C6-238A-05D5BF22FDC9}"/>
+              </a:ext>
+            </a:extLst>
+          </p:cNvPr>
+          <p:cNvSpPr txBox="1"/>
+          <p:nvPr/>
+        </p:nvSpPr>
+        <p:spPr>
+          <a:xfrm>
+            <a:off x="6740028" y="4767024"/>
+            <a:ext cx="3005631" cy="369332"/>
+          </a:xfrm>
+          <a:prstGeom prst="rect">
+            <a:avLst/>
+          </a:prstGeom>
+          <a:noFill/>
+        </p:spPr>
+        <p:txBody>
+          <a:bodyPr wrap="none" rtlCol="0">
+            <a:spAutoFit/>
+          </a:bodyPr>
+          <a:lstStyle/>
+          <a:p>
+            <a:r>
+              <a:rPr lang="en-US" dirty="0"/>
+              <a:t>Rover equipped with compass</a:t>
+            </a:r>
+          </a:p>
+        </p:txBody>
+      </p:sp>
     </p:spTree>
     <p:extLst>
       <p:ext uri="{BB962C8B-B14F-4D97-AF65-F5344CB8AC3E}">
@@ -5655,4 +6745,299 @@
     </a:ext>
   </a:extLst>
 </a:theme>
+</file>
+
+<file path=ppt/theme/theme2.xml><?xml version="1.0" encoding="utf-8"?>
+<a:theme xmlns:a="http://schemas.openxmlformats.org/drawingml/2006/main" name="Office Theme">
+  <a:themeElements>
+    <a:clrScheme name="Office">
+      <a:dk1>
+        <a:sysClr val="windowText" lastClr="000000"/>
+      </a:dk1>
+      <a:lt1>
+        <a:sysClr val="window" lastClr="FFFFFF"/>
+      </a:lt1>
+      <a:dk2>
+        <a:srgbClr val="44546A"/>
+      </a:dk2>
+      <a:lt2>
+        <a:srgbClr val="E7E6E6"/>
+      </a:lt2>
+      <a:accent1>
+        <a:srgbClr val="4472C4"/>
+      </a:accent1>
+      <a:accent2>
+        <a:srgbClr val="ED7D31"/>
+      </a:accent2>
+      <a:accent3>
+        <a:srgbClr val="A5A5A5"/>
+      </a:accent3>
+      <a:accent4>
+        <a:srgbClr val="FFC000"/>
+      </a:accent4>
+      <a:accent5>
+        <a:srgbClr val="5B9BD5"/>
+      </a:accent5>
+      <a:accent6>
+        <a:srgbClr val="70AD47"/>
+      </a:accent6>
+      <a:hlink>
+        <a:srgbClr val="0563C1"/>
+      </a:hlink>
+      <a:folHlink>
+        <a:srgbClr val="954F72"/>
+      </a:folHlink>
+    </a:clrScheme>
+    <a:fontScheme name="Office">
+      <a:majorFont>
+        <a:latin typeface="Calibri Light" panose="020F0302020204030204"/>
+        <a:ea typeface=""/>
+        <a:cs typeface=""/>
+        <a:font script="Jpan" typeface="游ゴシック Light"/>
+        <a:font script="Hang" typeface="맑은 고딕"/>
+        <a:font script="Hans" typeface="等线 Light"/>
+        <a:font script="Hant" typeface="新細明體"/>
+        <a:font script="Arab" typeface="Times New Roman"/>
+        <a:font script="Hebr" typeface="Times New Roman"/>
+        <a:font script="Thai" typeface="Angsana New"/>
+        <a:font script="Ethi" typeface="Nyala"/>
+        <a:font script="Beng" typeface="Vrinda"/>
+        <a:font script="Gujr" typeface="Shruti"/>
+        <a:font script="Khmr" typeface="MoolBoran"/>
+        <a:font script="Knda" typeface="Tunga"/>
+        <a:font script="Guru" typeface="Raavi"/>
+        <a:font script="Cans" typeface="Euphemia"/>
+        <a:font script="Cher" typeface="Plantagenet Cherokee"/>
+        <a:font script="Yiii" typeface="Microsoft Yi Baiti"/>
+        <a:font script="Tibt" typeface="Microsoft Himalaya"/>
+        <a:font script="Thaa" typeface="MV Boli"/>
+        <a:font script="Deva" typeface="Mangal"/>
+        <a:font script="Telu" typeface="Gautami"/>
+        <a:font script="Taml" typeface="Latha"/>
+        <a:font script="Syrc" typeface="Estrangelo Edessa"/>
+        <a:font script="Orya" typeface="Kalinga"/>
+        <a:font script="Mlym" typeface="Kartika"/>
+        <a:font script="Laoo" typeface="DokChampa"/>
+        <a:font script="Sinh" typeface="Iskoola Pota"/>
+        <a:font script="Mong" typeface="Mongolian Baiti"/>
+        <a:font script="Viet" typeface="Times New Roman"/>
+        <a:font script="Uigh" typeface="Microsoft Uighur"/>
+        <a:font script="Geor" typeface="Sylfaen"/>
+        <a:font script="Armn" typeface="Arial"/>
+        <a:font script="Bugi" typeface="Leelawadee UI"/>
+        <a:font script="Bopo" typeface="Microsoft JhengHei"/>
+        <a:font script="Java" typeface="Javanese Text"/>
+        <a:font script="Lisu" typeface="Segoe UI"/>
+        <a:font script="Mymr" typeface="Myanmar Text"/>
+        <a:font script="Nkoo" typeface="Ebrima"/>
+        <a:font script="Olck" typeface="Nirmala UI"/>
+        <a:font script="Osma" typeface="Ebrima"/>
+        <a:font script="Phag" typeface="Phagspa"/>
+        <a:font script="Syrn" typeface="Estrangelo Edessa"/>
+        <a:font script="Syrj" typeface="Estrangelo Edessa"/>
+        <a:font script="Syre" typeface="Estrangelo Edessa"/>
+        <a:font script="Sora" typeface="Nirmala UI"/>
+        <a:font script="Tale" typeface="Microsoft Tai Le"/>
+        <a:font script="Talu" typeface="Microsoft New Tai Lue"/>
+        <a:font script="Tfng" typeface="Ebrima"/>
+      </a:majorFont>
+      <a:minorFont>
+        <a:latin typeface="Calibri" panose="020F0502020204030204"/>
+        <a:ea typeface=""/>
+        <a:cs typeface=""/>
+        <a:font script="Jpan" typeface="游ゴシック"/>
+        <a:font script="Hang" typeface="맑은 고딕"/>
+        <a:font script="Hans" typeface="等线"/>
+        <a:font script="Hant" typeface="新細明體"/>
+        <a:font script="Arab" typeface="Arial"/>
+        <a:font script="Hebr" typeface="Arial"/>
+        <a:font script="Thai" typeface="Cordia New"/>
+        <a:font script="Ethi" typeface="Nyala"/>
+        <a:font script="Beng" typeface="Vrinda"/>
+        <a:font script="Gujr" typeface="Shruti"/>
+        <a:font script="Khmr" typeface="DaunPenh"/>
+        <a:font script="Knda" typeface="Tunga"/>
+        <a:font script="Guru" typeface="Raavi"/>
+        <a:font script="Cans" typeface="Euphemia"/>
+        <a:font script="Cher" typeface="Plantagenet Cherokee"/>
+        <a:font script="Yiii" typeface="Microsoft Yi Baiti"/>
+        <a:font script="Tibt" typeface="Microsoft Himalaya"/>
+        <a:font script="Thaa" typeface="MV Boli"/>
+        <a:font script="Deva" typeface="Mangal"/>
+        <a:font script="Telu" typeface="Gautami"/>
+        <a:font script="Taml" typeface="Latha"/>
+        <a:font script="Syrc" typeface="Estrangelo Edessa"/>
+        <a:font script="Orya" typeface="Kalinga"/>
+        <a:font script="Mlym" typeface="Kartika"/>
+        <a:font script="Laoo" typeface="DokChampa"/>
+        <a:font script="Sinh" typeface="Iskoola Pota"/>
+        <a:font script="Mong" typeface="Mongolian Baiti"/>
+        <a:font script="Viet" typeface="Arial"/>
+        <a:font script="Uigh" typeface="Microsoft Uighur"/>
+        <a:font script="Geor" typeface="Sylfaen"/>
+        <a:font script="Armn" typeface="Arial"/>
+        <a:font script="Bugi" typeface="Leelawadee UI"/>
+        <a:font script="Bopo" typeface="Microsoft JhengHei"/>
+        <a:font script="Java" typeface="Javanese Text"/>
+        <a:font script="Lisu" typeface="Segoe UI"/>
+        <a:font script="Mymr" typeface="Myanmar Text"/>
+        <a:font script="Nkoo" typeface="Ebrima"/>
+        <a:font script="Olck" typeface="Nirmala UI"/>
+        <a:font script="Osma" typeface="Ebrima"/>
+        <a:font script="Phag" typeface="Phagspa"/>
+        <a:font script="Syrn" typeface="Estrangelo Edessa"/>
+        <a:font script="Syrj" typeface="Estrangelo Edessa"/>
+        <a:font script="Syre" typeface="Estrangelo Edessa"/>
+        <a:font script="Sora" typeface="Nirmala UI"/>
+        <a:font script="Tale" typeface="Microsoft Tai Le"/>
+        <a:font script="Talu" typeface="Microsoft New Tai Lue"/>
+        <a:font script="Tfng" typeface="Ebrima"/>
+      </a:minorFont>
+    </a:fontScheme>
+    <a:fmtScheme name="Office">
+      <a:fillStyleLst>
+        <a:solidFill>
+          <a:schemeClr val="phClr"/>
+        </a:solidFill>
+        <a:gradFill rotWithShape="1">
+          <a:gsLst>
+            <a:gs pos="0">
+              <a:schemeClr val="phClr">
+                <a:lumMod val="110000"/>
+                <a:satMod val="105000"/>
+                <a:tint val="67000"/>
+              </a:schemeClr>
+            </a:gs>
+            <a:gs pos="50000">
+              <a:schemeClr val="phClr">
+                <a:lumMod val="105000"/>
+                <a:satMod val="103000"/>
+                <a:tint val="73000"/>
+              </a:schemeClr>
+            </a:gs>
+            <a:gs pos="100000">
+              <a:schemeClr val="phClr">
+                <a:lumMod val="105000"/>
+                <a:satMod val="109000"/>
+                <a:tint val="81000"/>
+              </a:schemeClr>
+            </a:gs>
+          </a:gsLst>
+          <a:lin ang="5400000" scaled="0"/>
+        </a:gradFill>
+        <a:gradFill rotWithShape="1">
+          <a:gsLst>
+            <a:gs pos="0">
+              <a:schemeClr val="phClr">
+                <a:satMod val="103000"/>
+                <a:lumMod val="102000"/>
+                <a:tint val="94000"/>
+              </a:schemeClr>
+            </a:gs>
+            <a:gs pos="50000">
+              <a:schemeClr val="phClr">
+                <a:satMod val="110000"/>
+                <a:lumMod val="100000"/>
+                <a:shade val="100000"/>
+              </a:schemeClr>
+            </a:gs>
+            <a:gs pos="100000">
+              <a:schemeClr val="phClr">
+                <a:lumMod val="99000"/>
+                <a:satMod val="120000"/>
+                <a:shade val="78000"/>
+              </a:schemeClr>
+            </a:gs>
+          </a:gsLst>
+          <a:lin ang="5400000" scaled="0"/>
+        </a:gradFill>
+      </a:fillStyleLst>
+      <a:lnStyleLst>
+        <a:ln w="6350" cap="flat" cmpd="sng" algn="ctr">
+          <a:solidFill>
+            <a:schemeClr val="phClr"/>
+          </a:solidFill>
+          <a:prstDash val="solid"/>
+          <a:miter lim="800000"/>
+        </a:ln>
+        <a:ln w="12700" cap="flat" cmpd="sng" algn="ctr">
+          <a:solidFill>
+            <a:schemeClr val="phClr"/>
+          </a:solidFill>
+          <a:prstDash val="solid"/>
+          <a:miter lim="800000"/>
+        </a:ln>
+        <a:ln w="19050" cap="flat" cmpd="sng" algn="ctr">
+          <a:solidFill>
+            <a:schemeClr val="phClr"/>
+          </a:solidFill>
+          <a:prstDash val="solid"/>
+          <a:miter lim="800000"/>
+        </a:ln>
+      </a:lnStyleLst>
+      <a:effectStyleLst>
+        <a:effectStyle>
+          <a:effectLst/>
+        </a:effectStyle>
+        <a:effectStyle>
+          <a:effectLst/>
+        </a:effectStyle>
+        <a:effectStyle>
+          <a:effectLst>
+            <a:outerShdw blurRad="57150" dist="19050" dir="5400000" algn="ctr" rotWithShape="0">
+              <a:srgbClr val="000000">
+                <a:alpha val="63000"/>
+              </a:srgbClr>
+            </a:outerShdw>
+          </a:effectLst>
+        </a:effectStyle>
+      </a:effectStyleLst>
+      <a:bgFillStyleLst>
+        <a:solidFill>
+          <a:schemeClr val="phClr"/>
+        </a:solidFill>
+        <a:solidFill>
+          <a:schemeClr val="phClr">
+            <a:tint val="95000"/>
+            <a:satMod val="170000"/>
+          </a:schemeClr>
+        </a:solidFill>
+        <a:gradFill rotWithShape="1">
+          <a:gsLst>
+            <a:gs pos="0">
+              <a:schemeClr val="phClr">
+                <a:tint val="93000"/>
+                <a:satMod val="150000"/>
+                <a:shade val="98000"/>
+                <a:lumMod val="102000"/>
+              </a:schemeClr>
+            </a:gs>
+            <a:gs pos="50000">
+              <a:schemeClr val="phClr">
+                <a:tint val="98000"/>
+                <a:satMod val="130000"/>
+                <a:shade val="90000"/>
+                <a:lumMod val="103000"/>
+              </a:schemeClr>
+            </a:gs>
+            <a:gs pos="100000">
+              <a:schemeClr val="phClr">
+                <a:shade val="63000"/>
+                <a:satMod val="120000"/>
+              </a:schemeClr>
+            </a:gs>
+          </a:gsLst>
+          <a:lin ang="5400000" scaled="0"/>
+        </a:gradFill>
+      </a:bgFillStyleLst>
+    </a:fmtScheme>
+  </a:themeElements>
+  <a:objectDefaults/>
+  <a:extraClrSchemeLst/>
+  <a:extLst>
+    <a:ext uri="{05A4C25C-085E-4340-85A3-A5531E510DB2}">
+      <thm15:themeFamily xmlns:thm15="http://schemas.microsoft.com/office/thememl/2012/main" name="Office Theme" id="{62F939B6-93AF-4DB8-9C6B-D6C7DFDC589F}" vid="{4A3C46E8-61CC-4603-A589-7422A47A8E4A}"/>
+    </a:ext>
+  </a:extLst>
+</a:theme>
 </file>
--- a/report/report diagrams.pptx
+++ b/report/report diagrams.pptx
@@ -199,7 +199,7 @@
           <a:p>
             <a:fld id="{3F93E8E0-5D27-1248-BE24-90C77D8996BA}" type="datetimeFigureOut">
               <a:rPr lang="en-US" smtClean="0"/>
-              <a:t>6/16/23</a:t>
+              <a:t>6/18/23</a:t>
             </a:fld>
             <a:endParaRPr lang="en-US"/>
           </a:p>
@@ -700,7 +700,7 @@
           <a:p>
             <a:fld id="{446C6B02-1201-BC4F-8CD8-04EAE4792AA6}" type="datetimeFigureOut">
               <a:rPr lang="en-US" smtClean="0"/>
-              <a:t>6/16/23</a:t>
+              <a:t>6/18/23</a:t>
             </a:fld>
             <a:endParaRPr lang="en-US"/>
           </a:p>
@@ -900,7 +900,7 @@
           <a:p>
             <a:fld id="{446C6B02-1201-BC4F-8CD8-04EAE4792AA6}" type="datetimeFigureOut">
               <a:rPr lang="en-US" smtClean="0"/>
-              <a:t>6/16/23</a:t>
+              <a:t>6/18/23</a:t>
             </a:fld>
             <a:endParaRPr lang="en-US"/>
           </a:p>
@@ -1110,7 +1110,7 @@
           <a:p>
             <a:fld id="{446C6B02-1201-BC4F-8CD8-04EAE4792AA6}" type="datetimeFigureOut">
               <a:rPr lang="en-US" smtClean="0"/>
-              <a:t>6/16/23</a:t>
+              <a:t>6/18/23</a:t>
             </a:fld>
             <a:endParaRPr lang="en-US"/>
           </a:p>
@@ -1310,7 +1310,7 @@
           <a:p>
             <a:fld id="{446C6B02-1201-BC4F-8CD8-04EAE4792AA6}" type="datetimeFigureOut">
               <a:rPr lang="en-US" smtClean="0"/>
-              <a:t>6/16/23</a:t>
+              <a:t>6/18/23</a:t>
             </a:fld>
             <a:endParaRPr lang="en-US"/>
           </a:p>
@@ -1586,7 +1586,7 @@
           <a:p>
             <a:fld id="{446C6B02-1201-BC4F-8CD8-04EAE4792AA6}" type="datetimeFigureOut">
               <a:rPr lang="en-US" smtClean="0"/>
-              <a:t>6/16/23</a:t>
+              <a:t>6/18/23</a:t>
             </a:fld>
             <a:endParaRPr lang="en-US"/>
           </a:p>
@@ -1854,7 +1854,7 @@
           <a:p>
             <a:fld id="{446C6B02-1201-BC4F-8CD8-04EAE4792AA6}" type="datetimeFigureOut">
               <a:rPr lang="en-US" smtClean="0"/>
-              <a:t>6/16/23</a:t>
+              <a:t>6/18/23</a:t>
             </a:fld>
             <a:endParaRPr lang="en-US"/>
           </a:p>
@@ -2269,7 +2269,7 @@
           <a:p>
             <a:fld id="{446C6B02-1201-BC4F-8CD8-04EAE4792AA6}" type="datetimeFigureOut">
               <a:rPr lang="en-US" smtClean="0"/>
-              <a:t>6/16/23</a:t>
+              <a:t>6/18/23</a:t>
             </a:fld>
             <a:endParaRPr lang="en-US"/>
           </a:p>
@@ -2411,7 +2411,7 @@
           <a:p>
             <a:fld id="{446C6B02-1201-BC4F-8CD8-04EAE4792AA6}" type="datetimeFigureOut">
               <a:rPr lang="en-US" smtClean="0"/>
-              <a:t>6/16/23</a:t>
+              <a:t>6/18/23</a:t>
             </a:fld>
             <a:endParaRPr lang="en-US"/>
           </a:p>
@@ -2524,7 +2524,7 @@
           <a:p>
             <a:fld id="{446C6B02-1201-BC4F-8CD8-04EAE4792AA6}" type="datetimeFigureOut">
               <a:rPr lang="en-US" smtClean="0"/>
-              <a:t>6/16/23</a:t>
+              <a:t>6/18/23</a:t>
             </a:fld>
             <a:endParaRPr lang="en-US"/>
           </a:p>
@@ -2837,7 +2837,7 @@
           <a:p>
             <a:fld id="{446C6B02-1201-BC4F-8CD8-04EAE4792AA6}" type="datetimeFigureOut">
               <a:rPr lang="en-US" smtClean="0"/>
-              <a:t>6/16/23</a:t>
+              <a:t>6/18/23</a:t>
             </a:fld>
             <a:endParaRPr lang="en-US"/>
           </a:p>
@@ -3126,7 +3126,7 @@
           <a:p>
             <a:fld id="{446C6B02-1201-BC4F-8CD8-04EAE4792AA6}" type="datetimeFigureOut">
               <a:rPr lang="en-US" smtClean="0"/>
-              <a:t>6/16/23</a:t>
+              <a:t>6/18/23</a:t>
             </a:fld>
             <a:endParaRPr lang="en-US"/>
           </a:p>
@@ -3369,7 +3369,7 @@
           <a:p>
             <a:fld id="{446C6B02-1201-BC4F-8CD8-04EAE4792AA6}" type="datetimeFigureOut">
               <a:rPr lang="en-US" smtClean="0"/>
-              <a:t>6/16/23</a:t>
+              <a:t>6/18/23</a:t>
             </a:fld>
             <a:endParaRPr lang="en-US"/>
           </a:p>
@@ -4975,62 +4975,1609 @@
       </p:grpSpPr>
       <p:sp>
         <p:nvSpPr>
-          <p:cNvPr id="4" name="Rectangle 3">
-            <a:extLst>
-              <a:ext uri="{FF2B5EF4-FFF2-40B4-BE49-F238E27FC236}">
-                <a16:creationId xmlns:a16="http://schemas.microsoft.com/office/drawing/2014/main" id="{8333AF65-D4E6-5317-E6A3-78372EAC38C8}"/>
-              </a:ext>
-            </a:extLst>
-          </p:cNvPr>
-          <p:cNvSpPr/>
+          <p:cNvPr id="5" name="TextBox 4">
+            <a:extLst>
+              <a:ext uri="{FF2B5EF4-FFF2-40B4-BE49-F238E27FC236}">
+                <a16:creationId xmlns:a16="http://schemas.microsoft.com/office/drawing/2014/main" id="{CBBFC8D5-9D62-BCB4-95D5-D5EA4E556568}"/>
+              </a:ext>
+            </a:extLst>
+          </p:cNvPr>
+          <p:cNvSpPr txBox="1"/>
           <p:nvPr/>
         </p:nvSpPr>
         <p:spPr>
           <a:xfrm>
-            <a:off x="1359694" y="771525"/>
-            <a:ext cx="9472613" cy="4886325"/>
+            <a:off x="6401120" y="887392"/>
+            <a:ext cx="3800475" cy="461665"/>
           </a:xfrm>
           <a:prstGeom prst="rect">
             <a:avLst/>
           </a:prstGeom>
-          <a:solidFill>
-            <a:schemeClr val="accent1">
-              <a:lumMod val="20000"/>
-              <a:lumOff val="80000"/>
-            </a:schemeClr>
-          </a:solidFill>
+          <a:noFill/>
+        </p:spPr>
+        <p:txBody>
+          <a:bodyPr wrap="square" rtlCol="0">
+            <a:spAutoFit/>
+          </a:bodyPr>
+          <a:lstStyle/>
+          <a:p>
+            <a:pPr algn="ctr"/>
+            <a:r>
+              <a:rPr lang="en-US" sz="2400" dirty="0"/>
+              <a:t>ESP32</a:t>
+            </a:r>
+          </a:p>
+        </p:txBody>
+      </p:sp>
+      <p:grpSp>
+        <p:nvGrpSpPr>
+          <p:cNvPr id="49" name="Group 48">
+            <a:extLst>
+              <a:ext uri="{FF2B5EF4-FFF2-40B4-BE49-F238E27FC236}">
+                <a16:creationId xmlns:a16="http://schemas.microsoft.com/office/drawing/2014/main" id="{CC5A81FB-426A-01C1-1E1A-615DF498BD8C}"/>
+              </a:ext>
+            </a:extLst>
+          </p:cNvPr>
+          <p:cNvGrpSpPr/>
+          <p:nvPr/>
+        </p:nvGrpSpPr>
+        <p:grpSpPr>
+          <a:xfrm>
+            <a:off x="4596713" y="1322173"/>
+            <a:ext cx="7409291" cy="4995909"/>
+            <a:chOff x="3998826" y="1050324"/>
+            <a:chExt cx="7994822" cy="5329542"/>
+          </a:xfrm>
+        </p:grpSpPr>
+        <p:sp>
+          <p:nvSpPr>
+            <p:cNvPr id="4" name="Rectangle 3">
+              <a:extLst>
+                <a:ext uri="{FF2B5EF4-FFF2-40B4-BE49-F238E27FC236}">
+                  <a16:creationId xmlns:a16="http://schemas.microsoft.com/office/drawing/2014/main" id="{8333AF65-D4E6-5317-E6A3-78372EAC38C8}"/>
+                </a:ext>
+              </a:extLst>
+            </p:cNvPr>
+            <p:cNvSpPr/>
+            <p:nvPr/>
+          </p:nvSpPr>
+          <p:spPr>
+            <a:xfrm>
+              <a:off x="3998826" y="1050324"/>
+              <a:ext cx="7994822" cy="5329542"/>
+            </a:xfrm>
+            <a:prstGeom prst="rect">
+              <a:avLst/>
+            </a:prstGeom>
+            <a:solidFill>
+              <a:schemeClr val="accent1">
+                <a:lumMod val="20000"/>
+                <a:lumOff val="80000"/>
+              </a:schemeClr>
+            </a:solidFill>
+          </p:spPr>
+          <p:style>
+            <a:lnRef idx="2">
+              <a:schemeClr val="accent1">
+                <a:shade val="15000"/>
+              </a:schemeClr>
+            </a:lnRef>
+            <a:fillRef idx="1">
+              <a:schemeClr val="accent1"/>
+            </a:fillRef>
+            <a:effectRef idx="0">
+              <a:schemeClr val="accent1"/>
+            </a:effectRef>
+            <a:fontRef idx="minor">
+              <a:schemeClr val="lt1"/>
+            </a:fontRef>
+          </p:style>
+          <p:txBody>
+            <a:bodyPr rtlCol="0" anchor="ctr"/>
+            <a:lstStyle/>
+            <a:p>
+              <a:pPr algn="ctr"/>
+              <a:endParaRPr lang="en-US" dirty="0"/>
+            </a:p>
+          </p:txBody>
+        </p:sp>
+        <p:sp>
+          <p:nvSpPr>
+            <p:cNvPr id="6" name="Rectangle 5">
+              <a:extLst>
+                <a:ext uri="{FF2B5EF4-FFF2-40B4-BE49-F238E27FC236}">
+                  <a16:creationId xmlns:a16="http://schemas.microsoft.com/office/drawing/2014/main" id="{33E193F2-1BD2-FF7A-71A9-7B8270CE962B}"/>
+                </a:ext>
+              </a:extLst>
+            </p:cNvPr>
+            <p:cNvSpPr/>
+            <p:nvPr/>
+          </p:nvSpPr>
+          <p:spPr>
+            <a:xfrm>
+              <a:off x="4131467" y="1673525"/>
+              <a:ext cx="5824282" cy="4340716"/>
+            </a:xfrm>
+            <a:prstGeom prst="rect">
+              <a:avLst/>
+            </a:prstGeom>
+            <a:solidFill>
+              <a:schemeClr val="accent5">
+                <a:lumMod val="40000"/>
+                <a:lumOff val="60000"/>
+              </a:schemeClr>
+            </a:solidFill>
+            <a:ln>
+              <a:solidFill>
+                <a:schemeClr val="tx1"/>
+              </a:solidFill>
+            </a:ln>
+          </p:spPr>
+          <p:style>
+            <a:lnRef idx="2">
+              <a:schemeClr val="accent1">
+                <a:shade val="15000"/>
+              </a:schemeClr>
+            </a:lnRef>
+            <a:fillRef idx="1">
+              <a:schemeClr val="accent1"/>
+            </a:fillRef>
+            <a:effectRef idx="0">
+              <a:schemeClr val="accent1"/>
+            </a:effectRef>
+            <a:fontRef idx="minor">
+              <a:schemeClr val="lt1"/>
+            </a:fontRef>
+          </p:style>
+          <p:txBody>
+            <a:bodyPr rtlCol="0" anchor="ctr"/>
+            <a:lstStyle/>
+            <a:p>
+              <a:pPr algn="ctr"/>
+              <a:endParaRPr lang="en-US" sz="1600"/>
+            </a:p>
+          </p:txBody>
+        </p:sp>
+        <p:sp>
+          <p:nvSpPr>
+            <p:cNvPr id="7" name="TextBox 6">
+              <a:extLst>
+                <a:ext uri="{FF2B5EF4-FFF2-40B4-BE49-F238E27FC236}">
+                  <a16:creationId xmlns:a16="http://schemas.microsoft.com/office/drawing/2014/main" id="{CD0911C4-FC69-939E-C93F-16694943BF27}"/>
+                </a:ext>
+              </a:extLst>
+            </p:cNvPr>
+            <p:cNvSpPr txBox="1"/>
+            <p:nvPr/>
+          </p:nvSpPr>
+          <p:spPr>
+            <a:xfrm>
+              <a:off x="5248894" y="1079055"/>
+              <a:ext cx="3207575" cy="400110"/>
+            </a:xfrm>
+            <a:prstGeom prst="rect">
+              <a:avLst/>
+            </a:prstGeom>
+            <a:noFill/>
+          </p:spPr>
+          <p:txBody>
+            <a:bodyPr wrap="square" rtlCol="0">
+              <a:spAutoFit/>
+            </a:bodyPr>
+            <a:lstStyle/>
+            <a:p>
+              <a:pPr algn="ctr"/>
+              <a:r>
+                <a:rPr lang="en-US" sz="2000" dirty="0" err="1"/>
+                <a:t>FreeRTOS</a:t>
+              </a:r>
+              <a:endParaRPr lang="en-US" sz="2000" dirty="0"/>
+            </a:p>
+          </p:txBody>
+        </p:sp>
+        <p:sp>
+          <p:nvSpPr>
+            <p:cNvPr id="8" name="Rectangle 7">
+              <a:extLst>
+                <a:ext uri="{FF2B5EF4-FFF2-40B4-BE49-F238E27FC236}">
+                  <a16:creationId xmlns:a16="http://schemas.microsoft.com/office/drawing/2014/main" id="{B2B49052-2EE6-0CD5-1EAF-2F755584DBA6}"/>
+                </a:ext>
+              </a:extLst>
+            </p:cNvPr>
+            <p:cNvSpPr/>
+            <p:nvPr/>
+          </p:nvSpPr>
+          <p:spPr>
+            <a:xfrm>
+              <a:off x="4397193" y="2209607"/>
+              <a:ext cx="2954345" cy="3478479"/>
+            </a:xfrm>
+            <a:prstGeom prst="rect">
+              <a:avLst/>
+            </a:prstGeom>
+            <a:solidFill>
+              <a:schemeClr val="accent1">
+                <a:lumMod val="40000"/>
+                <a:lumOff val="60000"/>
+              </a:schemeClr>
+            </a:solidFill>
+            <a:ln>
+              <a:solidFill>
+                <a:schemeClr val="tx1"/>
+              </a:solidFill>
+            </a:ln>
+          </p:spPr>
+          <p:style>
+            <a:lnRef idx="2">
+              <a:schemeClr val="accent1">
+                <a:shade val="15000"/>
+              </a:schemeClr>
+            </a:lnRef>
+            <a:fillRef idx="1">
+              <a:schemeClr val="accent1"/>
+            </a:fillRef>
+            <a:effectRef idx="0">
+              <a:schemeClr val="accent1"/>
+            </a:effectRef>
+            <a:fontRef idx="minor">
+              <a:schemeClr val="lt1"/>
+            </a:fontRef>
+          </p:style>
+          <p:txBody>
+            <a:bodyPr rtlCol="0" anchor="ctr"/>
+            <a:lstStyle/>
+            <a:p>
+              <a:pPr algn="ctr"/>
+              <a:endParaRPr lang="en-US" sz="1600"/>
+            </a:p>
+          </p:txBody>
+        </p:sp>
+        <p:sp>
+          <p:nvSpPr>
+            <p:cNvPr id="9" name="TextBox 8">
+              <a:extLst>
+                <a:ext uri="{FF2B5EF4-FFF2-40B4-BE49-F238E27FC236}">
+                  <a16:creationId xmlns:a16="http://schemas.microsoft.com/office/drawing/2014/main" id="{13B821F5-CFA3-0438-912A-4B79DE59DF81}"/>
+                </a:ext>
+              </a:extLst>
+            </p:cNvPr>
+            <p:cNvSpPr txBox="1"/>
+            <p:nvPr/>
+          </p:nvSpPr>
+          <p:spPr>
+            <a:xfrm>
+              <a:off x="4210283" y="1723537"/>
+              <a:ext cx="3207575" cy="400110"/>
+            </a:xfrm>
+            <a:prstGeom prst="rect">
+              <a:avLst/>
+            </a:prstGeom>
+            <a:noFill/>
+          </p:spPr>
+          <p:txBody>
+            <a:bodyPr wrap="square" rtlCol="0">
+              <a:spAutoFit/>
+            </a:bodyPr>
+            <a:lstStyle/>
+            <a:p>
+              <a:pPr algn="ctr"/>
+              <a:r>
+                <a:rPr lang="en-US" sz="2000" dirty="0"/>
+                <a:t>Tasks</a:t>
+              </a:r>
+            </a:p>
+          </p:txBody>
+        </p:sp>
+        <p:sp>
+          <p:nvSpPr>
+            <p:cNvPr id="10" name="Rectangle 9">
+              <a:extLst>
+                <a:ext uri="{FF2B5EF4-FFF2-40B4-BE49-F238E27FC236}">
+                  <a16:creationId xmlns:a16="http://schemas.microsoft.com/office/drawing/2014/main" id="{C2575884-94B5-A713-60A6-DC6561585F83}"/>
+                </a:ext>
+              </a:extLst>
+            </p:cNvPr>
+            <p:cNvSpPr/>
+            <p:nvPr/>
+          </p:nvSpPr>
+          <p:spPr>
+            <a:xfrm>
+              <a:off x="8149514" y="3308948"/>
+              <a:ext cx="1633935" cy="1249112"/>
+            </a:xfrm>
+            <a:prstGeom prst="rect">
+              <a:avLst/>
+            </a:prstGeom>
+            <a:solidFill>
+              <a:schemeClr val="accent6">
+                <a:lumMod val="40000"/>
+                <a:lumOff val="60000"/>
+              </a:schemeClr>
+            </a:solidFill>
+          </p:spPr>
+          <p:style>
+            <a:lnRef idx="2">
+              <a:schemeClr val="accent1">
+                <a:shade val="15000"/>
+              </a:schemeClr>
+            </a:lnRef>
+            <a:fillRef idx="1">
+              <a:schemeClr val="accent1"/>
+            </a:fillRef>
+            <a:effectRef idx="0">
+              <a:schemeClr val="accent1"/>
+            </a:effectRef>
+            <a:fontRef idx="minor">
+              <a:schemeClr val="lt1"/>
+            </a:fontRef>
+          </p:style>
+          <p:txBody>
+            <a:bodyPr rtlCol="0" anchor="ctr"/>
+            <a:lstStyle/>
+            <a:p>
+              <a:pPr algn="ctr"/>
+              <a:r>
+                <a:rPr lang="en-US" sz="2000" dirty="0">
+                  <a:solidFill>
+                    <a:sysClr val="windowText" lastClr="000000"/>
+                  </a:solidFill>
+                </a:rPr>
+                <a:t>Task </a:t>
+              </a:r>
+              <a:r>
+                <a:rPr lang="en-US" sz="2000" dirty="0" err="1">
+                  <a:solidFill>
+                    <a:sysClr val="windowText" lastClr="000000"/>
+                  </a:solidFill>
+                </a:rPr>
+                <a:t>Scheduluer</a:t>
+              </a:r>
+              <a:endParaRPr lang="en-US" sz="2000" dirty="0">
+                <a:solidFill>
+                  <a:sysClr val="windowText" lastClr="000000"/>
+                </a:solidFill>
+              </a:endParaRPr>
+            </a:p>
+          </p:txBody>
+        </p:sp>
+        <p:cxnSp>
+          <p:nvCxnSpPr>
+            <p:cNvPr id="12" name="Straight Arrow Connector 11">
+              <a:extLst>
+                <a:ext uri="{FF2B5EF4-FFF2-40B4-BE49-F238E27FC236}">
+                  <a16:creationId xmlns:a16="http://schemas.microsoft.com/office/drawing/2014/main" id="{3C04818E-07E6-1862-E701-237CA2B3FDF8}"/>
+                </a:ext>
+              </a:extLst>
+            </p:cNvPr>
+            <p:cNvCxnSpPr>
+              <a:cxnSpLocks/>
+              <a:endCxn id="19" idx="2"/>
+            </p:cNvCxnSpPr>
+            <p:nvPr/>
+          </p:nvCxnSpPr>
+          <p:spPr>
+            <a:xfrm>
+              <a:off x="7351537" y="3014427"/>
+              <a:ext cx="714571" cy="448392"/>
+            </a:xfrm>
+            <a:prstGeom prst="straightConnector1">
+              <a:avLst/>
+            </a:prstGeom>
+            <a:ln w="34925">
+              <a:tailEnd type="triangle"/>
+            </a:ln>
+          </p:spPr>
+          <p:style>
+            <a:lnRef idx="1">
+              <a:schemeClr val="accent2"/>
+            </a:lnRef>
+            <a:fillRef idx="0">
+              <a:schemeClr val="accent2"/>
+            </a:fillRef>
+            <a:effectRef idx="0">
+              <a:schemeClr val="accent2"/>
+            </a:effectRef>
+            <a:fontRef idx="minor">
+              <a:schemeClr val="tx1"/>
+            </a:fontRef>
+          </p:style>
+        </p:cxnSp>
+        <p:sp>
+          <p:nvSpPr>
+            <p:cNvPr id="13" name="Rectangle 12">
+              <a:extLst>
+                <a:ext uri="{FF2B5EF4-FFF2-40B4-BE49-F238E27FC236}">
+                  <a16:creationId xmlns:a16="http://schemas.microsoft.com/office/drawing/2014/main" id="{05C8AC44-E615-A640-55C0-0E18429B1BD7}"/>
+                </a:ext>
+              </a:extLst>
+            </p:cNvPr>
+            <p:cNvSpPr/>
+            <p:nvPr/>
+          </p:nvSpPr>
+          <p:spPr>
+            <a:xfrm>
+              <a:off x="10522505" y="2683002"/>
+              <a:ext cx="1338500" cy="825923"/>
+            </a:xfrm>
+            <a:prstGeom prst="rect">
+              <a:avLst/>
+            </a:prstGeom>
+            <a:solidFill>
+              <a:schemeClr val="accent4">
+                <a:lumMod val="40000"/>
+                <a:lumOff val="60000"/>
+              </a:schemeClr>
+            </a:solidFill>
+          </p:spPr>
+          <p:style>
+            <a:lnRef idx="2">
+              <a:schemeClr val="accent1">
+                <a:shade val="15000"/>
+              </a:schemeClr>
+            </a:lnRef>
+            <a:fillRef idx="1">
+              <a:schemeClr val="accent1"/>
+            </a:fillRef>
+            <a:effectRef idx="0">
+              <a:schemeClr val="accent1"/>
+            </a:effectRef>
+            <a:fontRef idx="minor">
+              <a:schemeClr val="lt1"/>
+            </a:fontRef>
+          </p:style>
+          <p:txBody>
+            <a:bodyPr rtlCol="0" anchor="ctr"/>
+            <a:lstStyle/>
+            <a:p>
+              <a:pPr algn="ctr"/>
+              <a:r>
+                <a:rPr lang="en-US" sz="1600" dirty="0">
+                  <a:solidFill>
+                    <a:sysClr val="windowText" lastClr="000000"/>
+                  </a:solidFill>
+                </a:rPr>
+                <a:t>Core 0</a:t>
+              </a:r>
+            </a:p>
+          </p:txBody>
+        </p:sp>
+        <p:sp>
+          <p:nvSpPr>
+            <p:cNvPr id="14" name="Rectangle 13">
+              <a:extLst>
+                <a:ext uri="{FF2B5EF4-FFF2-40B4-BE49-F238E27FC236}">
+                  <a16:creationId xmlns:a16="http://schemas.microsoft.com/office/drawing/2014/main" id="{B9754C67-427A-AA35-3C48-09546AB3AF4F}"/>
+                </a:ext>
+              </a:extLst>
+            </p:cNvPr>
+            <p:cNvSpPr/>
+            <p:nvPr/>
+          </p:nvSpPr>
+          <p:spPr>
+            <a:xfrm>
+              <a:off x="10522505" y="4100212"/>
+              <a:ext cx="1338500" cy="825923"/>
+            </a:xfrm>
+            <a:prstGeom prst="rect">
+              <a:avLst/>
+            </a:prstGeom>
+            <a:solidFill>
+              <a:schemeClr val="accent4">
+                <a:lumMod val="40000"/>
+                <a:lumOff val="60000"/>
+              </a:schemeClr>
+            </a:solidFill>
+          </p:spPr>
+          <p:style>
+            <a:lnRef idx="2">
+              <a:schemeClr val="accent1">
+                <a:shade val="15000"/>
+              </a:schemeClr>
+            </a:lnRef>
+            <a:fillRef idx="1">
+              <a:schemeClr val="accent1"/>
+            </a:fillRef>
+            <a:effectRef idx="0">
+              <a:schemeClr val="accent1"/>
+            </a:effectRef>
+            <a:fontRef idx="minor">
+              <a:schemeClr val="lt1"/>
+            </a:fontRef>
+          </p:style>
+          <p:txBody>
+            <a:bodyPr rtlCol="0" anchor="ctr"/>
+            <a:lstStyle/>
+            <a:p>
+              <a:pPr algn="ctr"/>
+              <a:r>
+                <a:rPr lang="en-US" sz="1600" dirty="0">
+                  <a:solidFill>
+                    <a:sysClr val="windowText" lastClr="000000"/>
+                  </a:solidFill>
+                </a:rPr>
+                <a:t>Core 1</a:t>
+              </a:r>
+            </a:p>
+          </p:txBody>
+        </p:sp>
+        <p:sp>
+          <p:nvSpPr>
+            <p:cNvPr id="15" name="Rectangle 14">
+              <a:extLst>
+                <a:ext uri="{FF2B5EF4-FFF2-40B4-BE49-F238E27FC236}">
+                  <a16:creationId xmlns:a16="http://schemas.microsoft.com/office/drawing/2014/main" id="{C54E621A-4857-434C-569E-A0BE4AF870A7}"/>
+                </a:ext>
+              </a:extLst>
+            </p:cNvPr>
+            <p:cNvSpPr/>
+            <p:nvPr/>
+          </p:nvSpPr>
+          <p:spPr>
+            <a:xfrm>
+              <a:off x="4588118" y="2662625"/>
+              <a:ext cx="2616706" cy="706611"/>
+            </a:xfrm>
+            <a:prstGeom prst="rect">
+              <a:avLst/>
+            </a:prstGeom>
+            <a:solidFill>
+              <a:schemeClr val="accent6">
+                <a:lumMod val="20000"/>
+                <a:lumOff val="80000"/>
+              </a:schemeClr>
+            </a:solidFill>
+          </p:spPr>
+          <p:style>
+            <a:lnRef idx="2">
+              <a:schemeClr val="accent1">
+                <a:shade val="15000"/>
+              </a:schemeClr>
+            </a:lnRef>
+            <a:fillRef idx="1">
+              <a:schemeClr val="accent1"/>
+            </a:fillRef>
+            <a:effectRef idx="0">
+              <a:schemeClr val="accent1"/>
+            </a:effectRef>
+            <a:fontRef idx="minor">
+              <a:schemeClr val="lt1"/>
+            </a:fontRef>
+          </p:style>
+          <p:txBody>
+            <a:bodyPr rtlCol="0" anchor="ctr"/>
+            <a:lstStyle/>
+            <a:p>
+              <a:pPr algn="ctr"/>
+              <a:r>
+                <a:rPr lang="en-US" sz="1600" dirty="0" err="1">
+                  <a:solidFill>
+                    <a:sysClr val="windowText" lastClr="000000"/>
+                  </a:solidFill>
+                </a:rPr>
+                <a:t>roverStateLoop</a:t>
+              </a:r>
+              <a:endParaRPr lang="en-US" sz="1600" dirty="0">
+                <a:solidFill>
+                  <a:sysClr val="windowText" lastClr="000000"/>
+                </a:solidFill>
+              </a:endParaRPr>
+            </a:p>
+          </p:txBody>
+        </p:sp>
+        <p:sp>
+          <p:nvSpPr>
+            <p:cNvPr id="2" name="Rectangle 1">
+              <a:extLst>
+                <a:ext uri="{FF2B5EF4-FFF2-40B4-BE49-F238E27FC236}">
+                  <a16:creationId xmlns:a16="http://schemas.microsoft.com/office/drawing/2014/main" id="{6F2BCCD4-0087-F34B-D6AC-B05006B07A8C}"/>
+                </a:ext>
+              </a:extLst>
+            </p:cNvPr>
+            <p:cNvSpPr/>
+            <p:nvPr/>
+          </p:nvSpPr>
+          <p:spPr>
+            <a:xfrm>
+              <a:off x="4578069" y="3584241"/>
+              <a:ext cx="2616706" cy="706611"/>
+            </a:xfrm>
+            <a:prstGeom prst="rect">
+              <a:avLst/>
+            </a:prstGeom>
+            <a:solidFill>
+              <a:schemeClr val="accent6">
+                <a:lumMod val="20000"/>
+                <a:lumOff val="80000"/>
+              </a:schemeClr>
+            </a:solidFill>
+          </p:spPr>
+          <p:style>
+            <a:lnRef idx="2">
+              <a:schemeClr val="accent1">
+                <a:shade val="15000"/>
+              </a:schemeClr>
+            </a:lnRef>
+            <a:fillRef idx="1">
+              <a:schemeClr val="accent1"/>
+            </a:fillRef>
+            <a:effectRef idx="0">
+              <a:schemeClr val="accent1"/>
+            </a:effectRef>
+            <a:fontRef idx="minor">
+              <a:schemeClr val="lt1"/>
+            </a:fontRef>
+          </p:style>
+          <p:txBody>
+            <a:bodyPr rtlCol="0" anchor="ctr"/>
+            <a:lstStyle/>
+            <a:p>
+              <a:pPr algn="ctr"/>
+              <a:r>
+                <a:rPr lang="en-US" sz="1600" dirty="0" err="1">
+                  <a:solidFill>
+                    <a:sysClr val="windowText" lastClr="000000"/>
+                  </a:solidFill>
+                </a:rPr>
+                <a:t>keepMQTTAlive</a:t>
+              </a:r>
+              <a:endParaRPr lang="en-US" sz="1600" dirty="0">
+                <a:solidFill>
+                  <a:sysClr val="windowText" lastClr="000000"/>
+                </a:solidFill>
+              </a:endParaRPr>
+            </a:p>
+          </p:txBody>
+        </p:sp>
+        <p:sp>
+          <p:nvSpPr>
+            <p:cNvPr id="3" name="Rectangle 2">
+              <a:extLst>
+                <a:ext uri="{FF2B5EF4-FFF2-40B4-BE49-F238E27FC236}">
+                  <a16:creationId xmlns:a16="http://schemas.microsoft.com/office/drawing/2014/main" id="{51E64585-E6C6-528C-3FE2-D2CDE4FA5A3C}"/>
+                </a:ext>
+              </a:extLst>
+            </p:cNvPr>
+            <p:cNvSpPr/>
+            <p:nvPr/>
+          </p:nvSpPr>
+          <p:spPr>
+            <a:xfrm>
+              <a:off x="4559546" y="4572829"/>
+              <a:ext cx="2616706" cy="706611"/>
+            </a:xfrm>
+            <a:prstGeom prst="rect">
+              <a:avLst/>
+            </a:prstGeom>
+            <a:solidFill>
+              <a:schemeClr val="accent6">
+                <a:lumMod val="20000"/>
+                <a:lumOff val="80000"/>
+              </a:schemeClr>
+            </a:solidFill>
+          </p:spPr>
+          <p:style>
+            <a:lnRef idx="2">
+              <a:schemeClr val="accent1">
+                <a:shade val="15000"/>
+              </a:schemeClr>
+            </a:lnRef>
+            <a:fillRef idx="1">
+              <a:schemeClr val="accent1"/>
+            </a:fillRef>
+            <a:effectRef idx="0">
+              <a:schemeClr val="accent1"/>
+            </a:effectRef>
+            <a:fontRef idx="minor">
+              <a:schemeClr val="lt1"/>
+            </a:fontRef>
+          </p:style>
+          <p:txBody>
+            <a:bodyPr rtlCol="0" anchor="ctr"/>
+            <a:lstStyle/>
+            <a:p>
+              <a:pPr algn="ctr"/>
+              <a:r>
+                <a:rPr lang="en-US" sz="1600" dirty="0" err="1">
+                  <a:solidFill>
+                    <a:sysClr val="windowText" lastClr="000000"/>
+                  </a:solidFill>
+                </a:rPr>
+                <a:t>controlLoop</a:t>
+              </a:r>
+              <a:endParaRPr lang="en-US" sz="1600" dirty="0">
+                <a:solidFill>
+                  <a:sysClr val="windowText" lastClr="000000"/>
+                </a:solidFill>
+              </a:endParaRPr>
+            </a:p>
+          </p:txBody>
+        </p:sp>
+        <p:cxnSp>
+          <p:nvCxnSpPr>
+            <p:cNvPr id="11" name="Straight Arrow Connector 10">
+              <a:extLst>
+                <a:ext uri="{FF2B5EF4-FFF2-40B4-BE49-F238E27FC236}">
+                  <a16:creationId xmlns:a16="http://schemas.microsoft.com/office/drawing/2014/main" id="{90040CBE-6E05-89DE-5B87-558FF887D491}"/>
+                </a:ext>
+              </a:extLst>
+            </p:cNvPr>
+            <p:cNvCxnSpPr>
+              <a:cxnSpLocks/>
+              <a:stCxn id="23" idx="2"/>
+              <a:endCxn id="13" idx="1"/>
+            </p:cNvCxnSpPr>
+            <p:nvPr/>
+          </p:nvCxnSpPr>
+          <p:spPr>
+            <a:xfrm flipV="1">
+              <a:off x="9701090" y="3095963"/>
+              <a:ext cx="821415" cy="366855"/>
+            </a:xfrm>
+            <a:prstGeom prst="straightConnector1">
+              <a:avLst/>
+            </a:prstGeom>
+            <a:ln w="34925">
+              <a:tailEnd type="triangle"/>
+            </a:ln>
+          </p:spPr>
+          <p:style>
+            <a:lnRef idx="1">
+              <a:schemeClr val="accent2"/>
+            </a:lnRef>
+            <a:fillRef idx="0">
+              <a:schemeClr val="accent2"/>
+            </a:fillRef>
+            <a:effectRef idx="0">
+              <a:schemeClr val="accent2"/>
+            </a:effectRef>
+            <a:fontRef idx="minor">
+              <a:schemeClr val="tx1"/>
+            </a:fontRef>
+          </p:style>
+        </p:cxnSp>
+        <p:cxnSp>
+          <p:nvCxnSpPr>
+            <p:cNvPr id="18" name="Straight Arrow Connector 17">
+              <a:extLst>
+                <a:ext uri="{FF2B5EF4-FFF2-40B4-BE49-F238E27FC236}">
+                  <a16:creationId xmlns:a16="http://schemas.microsoft.com/office/drawing/2014/main" id="{953C8CE3-8520-BAFB-79E5-D9AD263DBBDD}"/>
+                </a:ext>
+              </a:extLst>
+            </p:cNvPr>
+            <p:cNvCxnSpPr>
+              <a:cxnSpLocks/>
+              <a:stCxn id="27" idx="6"/>
+              <a:endCxn id="14" idx="1"/>
+            </p:cNvCxnSpPr>
+            <p:nvPr/>
+          </p:nvCxnSpPr>
+          <p:spPr>
+            <a:xfrm>
+              <a:off x="9818326" y="4382764"/>
+              <a:ext cx="704179" cy="130410"/>
+            </a:xfrm>
+            <a:prstGeom prst="straightConnector1">
+              <a:avLst/>
+            </a:prstGeom>
+            <a:ln w="34925">
+              <a:tailEnd type="triangle"/>
+            </a:ln>
+          </p:spPr>
+          <p:style>
+            <a:lnRef idx="1">
+              <a:schemeClr val="accent2"/>
+            </a:lnRef>
+            <a:fillRef idx="0">
+              <a:schemeClr val="accent2"/>
+            </a:fillRef>
+            <a:effectRef idx="0">
+              <a:schemeClr val="accent2"/>
+            </a:effectRef>
+            <a:fontRef idx="minor">
+              <a:schemeClr val="tx1"/>
+            </a:fontRef>
+          </p:style>
+        </p:cxnSp>
+        <p:sp>
+          <p:nvSpPr>
+            <p:cNvPr id="19" name="Oval 18">
+              <a:extLst>
+                <a:ext uri="{FF2B5EF4-FFF2-40B4-BE49-F238E27FC236}">
+                  <a16:creationId xmlns:a16="http://schemas.microsoft.com/office/drawing/2014/main" id="{451F04E3-0CAC-4FD4-9097-F32C1D4533B8}"/>
+                </a:ext>
+              </a:extLst>
+            </p:cNvPr>
+            <p:cNvSpPr/>
+            <p:nvPr/>
+          </p:nvSpPr>
+          <p:spPr>
+            <a:xfrm>
+              <a:off x="8066109" y="3405213"/>
+              <a:ext cx="116535" cy="115212"/>
+            </a:xfrm>
+            <a:prstGeom prst="ellipse">
+              <a:avLst/>
+            </a:prstGeom>
+          </p:spPr>
+          <p:style>
+            <a:lnRef idx="2">
+              <a:schemeClr val="accent1">
+                <a:shade val="15000"/>
+              </a:schemeClr>
+            </a:lnRef>
+            <a:fillRef idx="1">
+              <a:schemeClr val="accent1"/>
+            </a:fillRef>
+            <a:effectRef idx="0">
+              <a:schemeClr val="accent1"/>
+            </a:effectRef>
+            <a:fontRef idx="minor">
+              <a:schemeClr val="lt1"/>
+            </a:fontRef>
+          </p:style>
+          <p:txBody>
+            <a:bodyPr rtlCol="0" anchor="ctr"/>
+            <a:lstStyle/>
+            <a:p>
+              <a:pPr algn="ctr"/>
+              <a:endParaRPr lang="en-US" sz="1600"/>
+            </a:p>
+          </p:txBody>
+        </p:sp>
+        <p:sp>
+          <p:nvSpPr>
+            <p:cNvPr id="21" name="Oval 20">
+              <a:extLst>
+                <a:ext uri="{FF2B5EF4-FFF2-40B4-BE49-F238E27FC236}">
+                  <a16:creationId xmlns:a16="http://schemas.microsoft.com/office/drawing/2014/main" id="{81A80125-CE9F-C3D9-BFAA-5E9EA2BF4AC9}"/>
+                </a:ext>
+              </a:extLst>
+            </p:cNvPr>
+            <p:cNvSpPr/>
+            <p:nvPr/>
+          </p:nvSpPr>
+          <p:spPr>
+            <a:xfrm>
+              <a:off x="8066105" y="3852171"/>
+              <a:ext cx="116535" cy="115212"/>
+            </a:xfrm>
+            <a:prstGeom prst="ellipse">
+              <a:avLst/>
+            </a:prstGeom>
+          </p:spPr>
+          <p:style>
+            <a:lnRef idx="2">
+              <a:schemeClr val="accent1">
+                <a:shade val="15000"/>
+              </a:schemeClr>
+            </a:lnRef>
+            <a:fillRef idx="1">
+              <a:schemeClr val="accent1"/>
+            </a:fillRef>
+            <a:effectRef idx="0">
+              <a:schemeClr val="accent1"/>
+            </a:effectRef>
+            <a:fontRef idx="minor">
+              <a:schemeClr val="lt1"/>
+            </a:fontRef>
+          </p:style>
+          <p:txBody>
+            <a:bodyPr rtlCol="0" anchor="ctr"/>
+            <a:lstStyle/>
+            <a:p>
+              <a:pPr algn="ctr"/>
+              <a:endParaRPr lang="en-US" sz="1600"/>
+            </a:p>
+          </p:txBody>
+        </p:sp>
+        <p:sp>
+          <p:nvSpPr>
+            <p:cNvPr id="22" name="Oval 21">
+              <a:extLst>
+                <a:ext uri="{FF2B5EF4-FFF2-40B4-BE49-F238E27FC236}">
+                  <a16:creationId xmlns:a16="http://schemas.microsoft.com/office/drawing/2014/main" id="{D3E750B2-6878-DF89-361C-28918C5B8319}"/>
+                </a:ext>
+              </a:extLst>
+            </p:cNvPr>
+            <p:cNvSpPr/>
+            <p:nvPr/>
+          </p:nvSpPr>
+          <p:spPr>
+            <a:xfrm>
+              <a:off x="8066105" y="4310713"/>
+              <a:ext cx="116535" cy="115212"/>
+            </a:xfrm>
+            <a:prstGeom prst="ellipse">
+              <a:avLst/>
+            </a:prstGeom>
+          </p:spPr>
+          <p:style>
+            <a:lnRef idx="2">
+              <a:schemeClr val="accent1">
+                <a:shade val="15000"/>
+              </a:schemeClr>
+            </a:lnRef>
+            <a:fillRef idx="1">
+              <a:schemeClr val="accent1"/>
+            </a:fillRef>
+            <a:effectRef idx="0">
+              <a:schemeClr val="accent1"/>
+            </a:effectRef>
+            <a:fontRef idx="minor">
+              <a:schemeClr val="lt1"/>
+            </a:fontRef>
+          </p:style>
+          <p:txBody>
+            <a:bodyPr rtlCol="0" anchor="ctr"/>
+            <a:lstStyle/>
+            <a:p>
+              <a:pPr algn="ctr"/>
+              <a:endParaRPr lang="en-US" sz="1600"/>
+            </a:p>
+          </p:txBody>
+        </p:sp>
+        <p:sp>
+          <p:nvSpPr>
+            <p:cNvPr id="23" name="Oval 22">
+              <a:extLst>
+                <a:ext uri="{FF2B5EF4-FFF2-40B4-BE49-F238E27FC236}">
+                  <a16:creationId xmlns:a16="http://schemas.microsoft.com/office/drawing/2014/main" id="{5511D275-FA64-4221-FC0B-F34FA46AB2D9}"/>
+                </a:ext>
+              </a:extLst>
+            </p:cNvPr>
+            <p:cNvSpPr/>
+            <p:nvPr/>
+          </p:nvSpPr>
+          <p:spPr>
+            <a:xfrm>
+              <a:off x="9701090" y="3405213"/>
+              <a:ext cx="116535" cy="115212"/>
+            </a:xfrm>
+            <a:prstGeom prst="ellipse">
+              <a:avLst/>
+            </a:prstGeom>
+            <a:solidFill>
+              <a:schemeClr val="accent2">
+                <a:lumMod val="40000"/>
+                <a:lumOff val="60000"/>
+              </a:schemeClr>
+            </a:solidFill>
+          </p:spPr>
+          <p:style>
+            <a:lnRef idx="2">
+              <a:schemeClr val="accent1">
+                <a:shade val="15000"/>
+              </a:schemeClr>
+            </a:lnRef>
+            <a:fillRef idx="1">
+              <a:schemeClr val="accent1"/>
+            </a:fillRef>
+            <a:effectRef idx="0">
+              <a:schemeClr val="accent1"/>
+            </a:effectRef>
+            <a:fontRef idx="minor">
+              <a:schemeClr val="lt1"/>
+            </a:fontRef>
+          </p:style>
+          <p:txBody>
+            <a:bodyPr rtlCol="0" anchor="ctr"/>
+            <a:lstStyle/>
+            <a:p>
+              <a:pPr algn="ctr"/>
+              <a:endParaRPr lang="en-US" sz="1600"/>
+            </a:p>
+          </p:txBody>
+        </p:sp>
+        <p:sp>
+          <p:nvSpPr>
+            <p:cNvPr id="25" name="Oval 24">
+              <a:extLst>
+                <a:ext uri="{FF2B5EF4-FFF2-40B4-BE49-F238E27FC236}">
+                  <a16:creationId xmlns:a16="http://schemas.microsoft.com/office/drawing/2014/main" id="{3718E0F0-6D65-C065-5FE7-91A85AEEDBBC}"/>
+                </a:ext>
+              </a:extLst>
+            </p:cNvPr>
+            <p:cNvSpPr/>
+            <p:nvPr/>
+          </p:nvSpPr>
+          <p:spPr>
+            <a:xfrm>
+              <a:off x="9695208" y="3852171"/>
+              <a:ext cx="116535" cy="115212"/>
+            </a:xfrm>
+            <a:prstGeom prst="ellipse">
+              <a:avLst/>
+            </a:prstGeom>
+            <a:solidFill>
+              <a:schemeClr val="accent2">
+                <a:lumMod val="40000"/>
+                <a:lumOff val="60000"/>
+              </a:schemeClr>
+            </a:solidFill>
+          </p:spPr>
+          <p:style>
+            <a:lnRef idx="2">
+              <a:schemeClr val="accent1">
+                <a:shade val="15000"/>
+              </a:schemeClr>
+            </a:lnRef>
+            <a:fillRef idx="1">
+              <a:schemeClr val="accent1"/>
+            </a:fillRef>
+            <a:effectRef idx="0">
+              <a:schemeClr val="accent1"/>
+            </a:effectRef>
+            <a:fontRef idx="minor">
+              <a:schemeClr val="lt1"/>
+            </a:fontRef>
+          </p:style>
+          <p:txBody>
+            <a:bodyPr rtlCol="0" anchor="ctr"/>
+            <a:lstStyle/>
+            <a:p>
+              <a:pPr algn="ctr"/>
+              <a:endParaRPr lang="en-US" sz="1600"/>
+            </a:p>
+          </p:txBody>
+        </p:sp>
+        <p:sp>
+          <p:nvSpPr>
+            <p:cNvPr id="27" name="Oval 26">
+              <a:extLst>
+                <a:ext uri="{FF2B5EF4-FFF2-40B4-BE49-F238E27FC236}">
+                  <a16:creationId xmlns:a16="http://schemas.microsoft.com/office/drawing/2014/main" id="{26AD0DF8-D7C8-1508-5726-4D2687FE8BCF}"/>
+                </a:ext>
+              </a:extLst>
+            </p:cNvPr>
+            <p:cNvSpPr/>
+            <p:nvPr/>
+          </p:nvSpPr>
+          <p:spPr>
+            <a:xfrm>
+              <a:off x="9701791" y="4325158"/>
+              <a:ext cx="116535" cy="115212"/>
+            </a:xfrm>
+            <a:prstGeom prst="ellipse">
+              <a:avLst/>
+            </a:prstGeom>
+            <a:solidFill>
+              <a:schemeClr val="accent2">
+                <a:lumMod val="40000"/>
+                <a:lumOff val="60000"/>
+              </a:schemeClr>
+            </a:solidFill>
+          </p:spPr>
+          <p:style>
+            <a:lnRef idx="2">
+              <a:schemeClr val="accent1">
+                <a:shade val="15000"/>
+              </a:schemeClr>
+            </a:lnRef>
+            <a:fillRef idx="1">
+              <a:schemeClr val="accent1"/>
+            </a:fillRef>
+            <a:effectRef idx="0">
+              <a:schemeClr val="accent1"/>
+            </a:effectRef>
+            <a:fontRef idx="minor">
+              <a:schemeClr val="lt1"/>
+            </a:fontRef>
+          </p:style>
+          <p:txBody>
+            <a:bodyPr rtlCol="0" anchor="ctr"/>
+            <a:lstStyle/>
+            <a:p>
+              <a:pPr algn="ctr"/>
+              <a:endParaRPr lang="en-US" sz="1600" dirty="0"/>
+            </a:p>
+          </p:txBody>
+        </p:sp>
+        <p:cxnSp>
+          <p:nvCxnSpPr>
+            <p:cNvPr id="31" name="Straight Arrow Connector 30">
+              <a:extLst>
+                <a:ext uri="{FF2B5EF4-FFF2-40B4-BE49-F238E27FC236}">
+                  <a16:creationId xmlns:a16="http://schemas.microsoft.com/office/drawing/2014/main" id="{2C420F44-8767-7DAA-1F48-0CFA7746A94E}"/>
+                </a:ext>
+              </a:extLst>
+            </p:cNvPr>
+            <p:cNvCxnSpPr>
+              <a:cxnSpLocks/>
+              <a:stCxn id="25" idx="7"/>
+            </p:cNvCxnSpPr>
+            <p:nvPr/>
+          </p:nvCxnSpPr>
+          <p:spPr>
+            <a:xfrm flipV="1">
+              <a:off x="9794677" y="3457069"/>
+              <a:ext cx="727827" cy="411974"/>
+            </a:xfrm>
+            <a:prstGeom prst="straightConnector1">
+              <a:avLst/>
+            </a:prstGeom>
+            <a:ln w="34925">
+              <a:tailEnd type="triangle"/>
+            </a:ln>
+          </p:spPr>
+          <p:style>
+            <a:lnRef idx="1">
+              <a:schemeClr val="accent2"/>
+            </a:lnRef>
+            <a:fillRef idx="0">
+              <a:schemeClr val="accent2"/>
+            </a:fillRef>
+            <a:effectRef idx="0">
+              <a:schemeClr val="accent2"/>
+            </a:effectRef>
+            <a:fontRef idx="minor">
+              <a:schemeClr val="tx1"/>
+            </a:fontRef>
+          </p:style>
+        </p:cxnSp>
+        <p:cxnSp>
+          <p:nvCxnSpPr>
+            <p:cNvPr id="33" name="Straight Arrow Connector 32">
+              <a:extLst>
+                <a:ext uri="{FF2B5EF4-FFF2-40B4-BE49-F238E27FC236}">
+                  <a16:creationId xmlns:a16="http://schemas.microsoft.com/office/drawing/2014/main" id="{D85214ED-4151-9015-946A-14A313412342}"/>
+                </a:ext>
+              </a:extLst>
+            </p:cNvPr>
+            <p:cNvCxnSpPr>
+              <a:cxnSpLocks/>
+              <a:stCxn id="8" idx="3"/>
+              <a:endCxn id="21" idx="2"/>
+            </p:cNvCxnSpPr>
+            <p:nvPr/>
+          </p:nvCxnSpPr>
+          <p:spPr>
+            <a:xfrm flipV="1">
+              <a:off x="7351537" y="3909777"/>
+              <a:ext cx="714567" cy="39070"/>
+            </a:xfrm>
+            <a:prstGeom prst="straightConnector1">
+              <a:avLst/>
+            </a:prstGeom>
+            <a:ln w="34925">
+              <a:tailEnd type="triangle"/>
+            </a:ln>
+          </p:spPr>
+          <p:style>
+            <a:lnRef idx="1">
+              <a:schemeClr val="accent2"/>
+            </a:lnRef>
+            <a:fillRef idx="0">
+              <a:schemeClr val="accent2"/>
+            </a:fillRef>
+            <a:effectRef idx="0">
+              <a:schemeClr val="accent2"/>
+            </a:effectRef>
+            <a:fontRef idx="minor">
+              <a:schemeClr val="tx1"/>
+            </a:fontRef>
+          </p:style>
+        </p:cxnSp>
+        <p:cxnSp>
+          <p:nvCxnSpPr>
+            <p:cNvPr id="37" name="Straight Arrow Connector 36">
+              <a:extLst>
+                <a:ext uri="{FF2B5EF4-FFF2-40B4-BE49-F238E27FC236}">
+                  <a16:creationId xmlns:a16="http://schemas.microsoft.com/office/drawing/2014/main" id="{8F8EC92E-B1AF-B5BC-4038-36E401A99B02}"/>
+                </a:ext>
+              </a:extLst>
+            </p:cNvPr>
+            <p:cNvCxnSpPr>
+              <a:cxnSpLocks/>
+              <a:endCxn id="22" idx="2"/>
+            </p:cNvCxnSpPr>
+            <p:nvPr/>
+          </p:nvCxnSpPr>
+          <p:spPr>
+            <a:xfrm flipV="1">
+              <a:off x="7351537" y="4368319"/>
+              <a:ext cx="714567" cy="562028"/>
+            </a:xfrm>
+            <a:prstGeom prst="straightConnector1">
+              <a:avLst/>
+            </a:prstGeom>
+            <a:ln w="34925">
+              <a:tailEnd type="triangle"/>
+            </a:ln>
+          </p:spPr>
+          <p:style>
+            <a:lnRef idx="1">
+              <a:schemeClr val="accent2"/>
+            </a:lnRef>
+            <a:fillRef idx="0">
+              <a:schemeClr val="accent2"/>
+            </a:fillRef>
+            <a:effectRef idx="0">
+              <a:schemeClr val="accent2"/>
+            </a:effectRef>
+            <a:fontRef idx="minor">
+              <a:schemeClr val="tx1"/>
+            </a:fontRef>
+          </p:style>
+        </p:cxnSp>
+      </p:grpSp>
+      <p:sp>
+        <p:nvSpPr>
+          <p:cNvPr id="52" name="TextBox 51">
+            <a:extLst>
+              <a:ext uri="{FF2B5EF4-FFF2-40B4-BE49-F238E27FC236}">
+                <a16:creationId xmlns:a16="http://schemas.microsoft.com/office/drawing/2014/main" id="{BB1029E3-3127-CF32-C4E0-0FF7EA5C1714}"/>
+              </a:ext>
+            </a:extLst>
+          </p:cNvPr>
+          <p:cNvSpPr txBox="1"/>
+          <p:nvPr/>
+        </p:nvSpPr>
+        <p:spPr>
+          <a:xfrm>
+            <a:off x="670803" y="2537230"/>
+            <a:ext cx="2480687" cy="400110"/>
+          </a:xfrm>
+          <a:prstGeom prst="rect">
+            <a:avLst/>
+          </a:prstGeom>
+          <a:noFill/>
+        </p:spPr>
+        <p:txBody>
+          <a:bodyPr wrap="square" rtlCol="0">
+            <a:spAutoFit/>
+          </a:bodyPr>
+          <a:lstStyle/>
+          <a:p>
+            <a:pPr algn="ctr"/>
+            <a:r>
+              <a:rPr lang="en-US" sz="2000" u="sng" dirty="0"/>
+              <a:t>MQTT Topics</a:t>
+            </a:r>
+          </a:p>
+        </p:txBody>
+      </p:sp>
+      <p:sp>
+        <p:nvSpPr>
+          <p:cNvPr id="56" name="TextBox 55">
+            <a:extLst>
+              <a:ext uri="{FF2B5EF4-FFF2-40B4-BE49-F238E27FC236}">
+                <a16:creationId xmlns:a16="http://schemas.microsoft.com/office/drawing/2014/main" id="{14B7890D-2CC0-2B4E-9C7E-1C6E44108457}"/>
+              </a:ext>
+            </a:extLst>
+          </p:cNvPr>
+          <p:cNvSpPr txBox="1"/>
+          <p:nvPr/>
+        </p:nvSpPr>
+        <p:spPr>
+          <a:xfrm>
+            <a:off x="482810" y="2990344"/>
+            <a:ext cx="2668681" cy="338554"/>
+          </a:xfrm>
+          <a:prstGeom prst="rect">
+            <a:avLst/>
+          </a:prstGeom>
+          <a:noFill/>
+        </p:spPr>
+        <p:txBody>
+          <a:bodyPr wrap="square">
+            <a:spAutoFit/>
+          </a:bodyPr>
+          <a:lstStyle/>
+          <a:p>
+            <a:pPr algn="ctr"/>
+            <a:r>
+              <a:rPr lang="en-GB" sz="1600" b="0" dirty="0" err="1">
+                <a:solidFill>
+                  <a:srgbClr val="CE9178"/>
+                </a:solidFill>
+                <a:effectLst/>
+                <a:latin typeface="Menlo" panose="020B0609030804020204" pitchFamily="49" charset="0"/>
+              </a:rPr>
+              <a:t>deadreckoning_data</a:t>
+            </a:r>
+            <a:endParaRPr lang="en-GB" sz="1600" b="0" dirty="0">
+              <a:solidFill>
+                <a:srgbClr val="CCCCCC"/>
+              </a:solidFill>
+              <a:effectLst/>
+              <a:latin typeface="Menlo" panose="020B0609030804020204" pitchFamily="49" charset="0"/>
+            </a:endParaRPr>
+          </a:p>
+        </p:txBody>
+      </p:sp>
+      <p:sp>
+        <p:nvSpPr>
+          <p:cNvPr id="58" name="TextBox 57">
+            <a:extLst>
+              <a:ext uri="{FF2B5EF4-FFF2-40B4-BE49-F238E27FC236}">
+                <a16:creationId xmlns:a16="http://schemas.microsoft.com/office/drawing/2014/main" id="{8BB24250-1AF6-F009-94FA-AE62E284BB7D}"/>
+              </a:ext>
+            </a:extLst>
+          </p:cNvPr>
+          <p:cNvSpPr txBox="1"/>
+          <p:nvPr/>
+        </p:nvSpPr>
+        <p:spPr>
+          <a:xfrm>
+            <a:off x="482808" y="3381902"/>
+            <a:ext cx="2668681" cy="338554"/>
+          </a:xfrm>
+          <a:prstGeom prst="rect">
+            <a:avLst/>
+          </a:prstGeom>
+          <a:noFill/>
+        </p:spPr>
+        <p:txBody>
+          <a:bodyPr wrap="square">
+            <a:spAutoFit/>
+          </a:bodyPr>
+          <a:lstStyle/>
+          <a:p>
+            <a:pPr algn="ctr"/>
+            <a:r>
+              <a:rPr lang="en-GB" sz="1600" b="0" dirty="0" err="1">
+                <a:solidFill>
+                  <a:srgbClr val="CE9178"/>
+                </a:solidFill>
+                <a:effectLst/>
+                <a:latin typeface="Menlo" panose="020B0609030804020204" pitchFamily="49" charset="0"/>
+              </a:rPr>
+              <a:t>red_beacon</a:t>
+            </a:r>
+            <a:endParaRPr lang="en-GB" sz="1600" b="0" dirty="0">
+              <a:solidFill>
+                <a:srgbClr val="CCCCCC"/>
+              </a:solidFill>
+              <a:effectLst/>
+              <a:latin typeface="Menlo" panose="020B0609030804020204" pitchFamily="49" charset="0"/>
+            </a:endParaRPr>
+          </a:p>
+        </p:txBody>
+      </p:sp>
+      <p:sp>
+        <p:nvSpPr>
+          <p:cNvPr id="59" name="TextBox 58">
+            <a:extLst>
+              <a:ext uri="{FF2B5EF4-FFF2-40B4-BE49-F238E27FC236}">
+                <a16:creationId xmlns:a16="http://schemas.microsoft.com/office/drawing/2014/main" id="{C1E41510-ECA0-974A-728D-ACC7EA0BC8F0}"/>
+              </a:ext>
+            </a:extLst>
+          </p:cNvPr>
+          <p:cNvSpPr txBox="1"/>
+          <p:nvPr/>
+        </p:nvSpPr>
+        <p:spPr>
+          <a:xfrm>
+            <a:off x="482808" y="3773460"/>
+            <a:ext cx="2668682" cy="338554"/>
+          </a:xfrm>
+          <a:prstGeom prst="rect">
+            <a:avLst/>
+          </a:prstGeom>
+          <a:noFill/>
+        </p:spPr>
+        <p:txBody>
+          <a:bodyPr wrap="square">
+            <a:spAutoFit/>
+          </a:bodyPr>
+          <a:lstStyle/>
+          <a:p>
+            <a:pPr algn="ctr"/>
+            <a:r>
+              <a:rPr lang="en-GB" sz="1600" b="0" dirty="0" err="1">
+                <a:solidFill>
+                  <a:srgbClr val="CE9178"/>
+                </a:solidFill>
+                <a:effectLst/>
+                <a:latin typeface="Menlo" panose="020B0609030804020204" pitchFamily="49" charset="0"/>
+              </a:rPr>
+              <a:t>blue_beacon</a:t>
+            </a:r>
+            <a:endParaRPr lang="en-GB" sz="1600" b="0" dirty="0">
+              <a:solidFill>
+                <a:srgbClr val="CCCCCC"/>
+              </a:solidFill>
+              <a:effectLst/>
+              <a:latin typeface="Menlo" panose="020B0609030804020204" pitchFamily="49" charset="0"/>
+            </a:endParaRPr>
+          </a:p>
+        </p:txBody>
+      </p:sp>
+      <p:sp>
+        <p:nvSpPr>
+          <p:cNvPr id="60" name="TextBox 59">
+            <a:extLst>
+              <a:ext uri="{FF2B5EF4-FFF2-40B4-BE49-F238E27FC236}">
+                <a16:creationId xmlns:a16="http://schemas.microsoft.com/office/drawing/2014/main" id="{BBC5CA61-7F60-9286-AD1F-8725943D1AF1}"/>
+              </a:ext>
+            </a:extLst>
+          </p:cNvPr>
+          <p:cNvSpPr txBox="1"/>
+          <p:nvPr/>
+        </p:nvSpPr>
+        <p:spPr>
+          <a:xfrm>
+            <a:off x="482808" y="4162133"/>
+            <a:ext cx="2645351" cy="338554"/>
+          </a:xfrm>
+          <a:prstGeom prst="rect">
+            <a:avLst/>
+          </a:prstGeom>
+          <a:noFill/>
+        </p:spPr>
+        <p:txBody>
+          <a:bodyPr wrap="square">
+            <a:spAutoFit/>
+          </a:bodyPr>
+          <a:lstStyle/>
+          <a:p>
+            <a:pPr algn="ctr"/>
+            <a:r>
+              <a:rPr lang="en-GB" sz="1600" b="0" dirty="0" err="1">
+                <a:solidFill>
+                  <a:srgbClr val="CE9178"/>
+                </a:solidFill>
+                <a:effectLst/>
+                <a:latin typeface="Menlo" panose="020B0609030804020204" pitchFamily="49" charset="0"/>
+              </a:rPr>
+              <a:t>yellow_beacon</a:t>
+            </a:r>
+            <a:endParaRPr lang="en-GB" sz="1600" b="0" dirty="0">
+              <a:solidFill>
+                <a:srgbClr val="CCCCCC"/>
+              </a:solidFill>
+              <a:effectLst/>
+              <a:latin typeface="Menlo" panose="020B0609030804020204" pitchFamily="49" charset="0"/>
+            </a:endParaRPr>
+          </a:p>
+        </p:txBody>
+      </p:sp>
+      <p:sp>
+        <p:nvSpPr>
+          <p:cNvPr id="61" name="TextBox 60">
+            <a:extLst>
+              <a:ext uri="{FF2B5EF4-FFF2-40B4-BE49-F238E27FC236}">
+                <a16:creationId xmlns:a16="http://schemas.microsoft.com/office/drawing/2014/main" id="{73FB5FBD-ED27-649F-6AF3-0BF1ECE47EF8}"/>
+              </a:ext>
+            </a:extLst>
+          </p:cNvPr>
+          <p:cNvSpPr txBox="1"/>
+          <p:nvPr/>
+        </p:nvSpPr>
+        <p:spPr>
+          <a:xfrm>
+            <a:off x="471682" y="4550806"/>
+            <a:ext cx="2645351" cy="338554"/>
+          </a:xfrm>
+          <a:prstGeom prst="rect">
+            <a:avLst/>
+          </a:prstGeom>
+          <a:noFill/>
+        </p:spPr>
+        <p:txBody>
+          <a:bodyPr wrap="square">
+            <a:spAutoFit/>
+          </a:bodyPr>
+          <a:lstStyle/>
+          <a:p>
+            <a:pPr algn="ctr"/>
+            <a:r>
+              <a:rPr lang="en-GB" sz="1600" b="0" dirty="0">
+                <a:solidFill>
+                  <a:srgbClr val="CE9178"/>
+                </a:solidFill>
+                <a:effectLst/>
+                <a:latin typeface="Menlo" panose="020B0609030804020204" pitchFamily="49" charset="0"/>
+              </a:rPr>
+              <a:t>localise</a:t>
+            </a:r>
+            <a:endParaRPr lang="en-GB" sz="1600" b="0" dirty="0">
+              <a:solidFill>
+                <a:srgbClr val="CCCCCC"/>
+              </a:solidFill>
+              <a:effectLst/>
+              <a:latin typeface="Menlo" panose="020B0609030804020204" pitchFamily="49" charset="0"/>
+            </a:endParaRPr>
+          </a:p>
+        </p:txBody>
+      </p:sp>
+      <p:sp>
+        <p:nvSpPr>
+          <p:cNvPr id="62" name="TextBox 61">
+            <a:extLst>
+              <a:ext uri="{FF2B5EF4-FFF2-40B4-BE49-F238E27FC236}">
+                <a16:creationId xmlns:a16="http://schemas.microsoft.com/office/drawing/2014/main" id="{82556CD6-A11A-4660-EF1F-331EB0D32814}"/>
+              </a:ext>
+            </a:extLst>
+          </p:cNvPr>
+          <p:cNvSpPr txBox="1"/>
+          <p:nvPr/>
+        </p:nvSpPr>
+        <p:spPr>
+          <a:xfrm>
+            <a:off x="459477" y="4939479"/>
+            <a:ext cx="2668682" cy="338554"/>
+          </a:xfrm>
+          <a:prstGeom prst="rect">
+            <a:avLst/>
+          </a:prstGeom>
+          <a:noFill/>
+        </p:spPr>
+        <p:txBody>
+          <a:bodyPr wrap="square">
+            <a:spAutoFit/>
+          </a:bodyPr>
+          <a:lstStyle/>
+          <a:p>
+            <a:r>
+              <a:rPr lang="en-GB" sz="1600" b="0" dirty="0" err="1">
+                <a:solidFill>
+                  <a:srgbClr val="CE9178"/>
+                </a:solidFill>
+                <a:effectLst/>
+                <a:latin typeface="Menlo" panose="020B0609030804020204" pitchFamily="49" charset="0"/>
+              </a:rPr>
+              <a:t>rover_current_coords</a:t>
+            </a:r>
+            <a:endParaRPr lang="en-GB" sz="1600" b="0" dirty="0">
+              <a:solidFill>
+                <a:srgbClr val="CCCCCC"/>
+              </a:solidFill>
+              <a:effectLst/>
+              <a:latin typeface="Menlo" panose="020B0609030804020204" pitchFamily="49" charset="0"/>
+            </a:endParaRPr>
+          </a:p>
+        </p:txBody>
+      </p:sp>
+      <p:cxnSp>
+        <p:nvCxnSpPr>
+          <p:cNvPr id="64" name="Straight Arrow Connector 63">
+            <a:extLst>
+              <a:ext uri="{FF2B5EF4-FFF2-40B4-BE49-F238E27FC236}">
+                <a16:creationId xmlns:a16="http://schemas.microsoft.com/office/drawing/2014/main" id="{51A7EED2-FDD7-2BF4-1675-2FB70D5CE7C9}"/>
+              </a:ext>
+            </a:extLst>
+          </p:cNvPr>
+          <p:cNvCxnSpPr>
+            <a:cxnSpLocks/>
+            <a:stCxn id="15" idx="1"/>
+            <a:endCxn id="56" idx="3"/>
+          </p:cNvCxnSpPr>
+          <p:nvPr/>
+        </p:nvCxnSpPr>
+        <p:spPr>
+          <a:xfrm flipH="1" flipV="1">
+            <a:off x="3151491" y="3159621"/>
+            <a:ext cx="1991355" cy="5111"/>
+          </a:xfrm>
+          <a:prstGeom prst="straightConnector1">
+            <a:avLst/>
+          </a:prstGeom>
+          <a:ln>
+            <a:tailEnd type="triangle"/>
+          </a:ln>
         </p:spPr>
         <p:style>
-          <a:lnRef idx="2">
-            <a:schemeClr val="accent1">
-              <a:shade val="15000"/>
-            </a:schemeClr>
+          <a:lnRef idx="1">
+            <a:schemeClr val="accent1"/>
           </a:lnRef>
-          <a:fillRef idx="1">
+          <a:fillRef idx="0">
             <a:schemeClr val="accent1"/>
           </a:fillRef>
           <a:effectRef idx="0">
             <a:schemeClr val="accent1"/>
           </a:effectRef>
           <a:fontRef idx="minor">
-            <a:schemeClr val="lt1"/>
+            <a:schemeClr val="tx1"/>
           </a:fontRef>
         </p:style>
-        <p:txBody>
-          <a:bodyPr rtlCol="0" anchor="ctr"/>
-          <a:lstStyle/>
-          <a:p>
-            <a:pPr algn="ctr"/>
-            <a:endParaRPr lang="en-US"/>
-          </a:p>
-        </p:txBody>
-      </p:sp>
-      <p:sp>
-        <p:nvSpPr>
-          <p:cNvPr id="5" name="TextBox 4">
-            <a:extLst>
-              <a:ext uri="{FF2B5EF4-FFF2-40B4-BE49-F238E27FC236}">
-                <a16:creationId xmlns:a16="http://schemas.microsoft.com/office/drawing/2014/main" id="{CBBFC8D5-9D62-BCB4-95D5-D5EA4E556568}"/>
+      </p:cxnSp>
+      <p:sp>
+        <p:nvSpPr>
+          <p:cNvPr id="65" name="TextBox 64">
+            <a:extLst>
+              <a:ext uri="{FF2B5EF4-FFF2-40B4-BE49-F238E27FC236}">
+                <a16:creationId xmlns:a16="http://schemas.microsoft.com/office/drawing/2014/main" id="{DC207D57-780E-5CA2-DD9B-FB97C155E09D}"/>
               </a:ext>
             </a:extLst>
           </p:cNvPr>
@@ -5039,8 +6586,8 @@
         </p:nvSpPr>
         <p:spPr>
           <a:xfrm>
-            <a:off x="4195762" y="292783"/>
-            <a:ext cx="3800475" cy="461665"/>
+            <a:off x="3686980" y="2898572"/>
+            <a:ext cx="852616" cy="261610"/>
           </a:xfrm>
           <a:prstGeom prst="rect">
             <a:avLst/>
@@ -5055,659 +6602,51 @@
           <a:p>
             <a:pPr algn="ctr"/>
             <a:r>
-              <a:rPr lang="en-US" sz="2400" dirty="0"/>
-              <a:t>ESP32</a:t>
-            </a:r>
-          </a:p>
-        </p:txBody>
-      </p:sp>
-      <p:sp>
-        <p:nvSpPr>
-          <p:cNvPr id="6" name="Rectangle 5">
-            <a:extLst>
-              <a:ext uri="{FF2B5EF4-FFF2-40B4-BE49-F238E27FC236}">
-                <a16:creationId xmlns:a16="http://schemas.microsoft.com/office/drawing/2014/main" id="{33E193F2-1BD2-FF7A-71A9-7B8270CE962B}"/>
-              </a:ext>
-            </a:extLst>
-          </p:cNvPr>
-          <p:cNvSpPr/>
+              <a:rPr lang="en-US" sz="1100" dirty="0">
+                <a:latin typeface="American Typewriter" panose="02090604020004020304" pitchFamily="18" charset="77"/>
+              </a:rPr>
+              <a:t>publish</a:t>
+            </a:r>
+          </a:p>
+        </p:txBody>
+      </p:sp>
+      <p:cxnSp>
+        <p:nvCxnSpPr>
+          <p:cNvPr id="71" name="Straight Arrow Connector 70">
+            <a:extLst>
+              <a:ext uri="{FF2B5EF4-FFF2-40B4-BE49-F238E27FC236}">
+                <a16:creationId xmlns:a16="http://schemas.microsoft.com/office/drawing/2014/main" id="{D5F0F028-A198-DC56-E15D-265B1A0BE084}"/>
+              </a:ext>
+            </a:extLst>
+          </p:cNvPr>
+          <p:cNvCxnSpPr>
+            <a:cxnSpLocks/>
+            <a:stCxn id="65" idx="2"/>
+            <a:endCxn id="58" idx="3"/>
+          </p:cNvCxnSpPr>
           <p:nvPr/>
-        </p:nvSpPr>
-        <p:spPr>
-          <a:xfrm>
-            <a:off x="1516853" y="1342899"/>
-            <a:ext cx="6900863" cy="3979732"/>
-          </a:xfrm>
-          <a:prstGeom prst="rect">
+        </p:nvCxnSpPr>
+        <p:spPr>
+          <a:xfrm flipH="1">
+            <a:off x="3151489" y="3160182"/>
+            <a:ext cx="961799" cy="390997"/>
+          </a:xfrm>
+          <a:prstGeom prst="straightConnector1">
             <a:avLst/>
           </a:prstGeom>
-          <a:solidFill>
-            <a:schemeClr val="accent5">
-              <a:lumMod val="40000"/>
-              <a:lumOff val="60000"/>
-            </a:schemeClr>
-          </a:solidFill>
           <a:ln>
-            <a:solidFill>
-              <a:schemeClr val="tx1"/>
-            </a:solidFill>
+            <a:tailEnd type="triangle"/>
           </a:ln>
         </p:spPr>
         <p:style>
-          <a:lnRef idx="2">
-            <a:schemeClr val="accent1">
-              <a:shade val="15000"/>
-            </a:schemeClr>
+          <a:lnRef idx="1">
+            <a:schemeClr val="accent1"/>
           </a:lnRef>
-          <a:fillRef idx="1">
+          <a:fillRef idx="0">
             <a:schemeClr val="accent1"/>
           </a:fillRef>
           <a:effectRef idx="0">
             <a:schemeClr val="accent1"/>
-          </a:effectRef>
-          <a:fontRef idx="minor">
-            <a:schemeClr val="lt1"/>
-          </a:fontRef>
-        </p:style>
-        <p:txBody>
-          <a:bodyPr rtlCol="0" anchor="ctr"/>
-          <a:lstStyle/>
-          <a:p>
-            <a:pPr algn="ctr"/>
-            <a:endParaRPr lang="en-US"/>
-          </a:p>
-        </p:txBody>
-      </p:sp>
-      <p:sp>
-        <p:nvSpPr>
-          <p:cNvPr id="7" name="TextBox 6">
-            <a:extLst>
-              <a:ext uri="{FF2B5EF4-FFF2-40B4-BE49-F238E27FC236}">
-                <a16:creationId xmlns:a16="http://schemas.microsoft.com/office/drawing/2014/main" id="{CD0911C4-FC69-939E-C93F-16694943BF27}"/>
-              </a:ext>
-            </a:extLst>
-          </p:cNvPr>
-          <p:cNvSpPr txBox="1"/>
-          <p:nvPr/>
-        </p:nvSpPr>
-        <p:spPr>
-          <a:xfrm>
-            <a:off x="2840830" y="797868"/>
-            <a:ext cx="3800475" cy="461665"/>
-          </a:xfrm>
-          <a:prstGeom prst="rect">
-            <a:avLst/>
-          </a:prstGeom>
-          <a:noFill/>
-        </p:spPr>
-        <p:txBody>
-          <a:bodyPr wrap="square" rtlCol="0">
-            <a:spAutoFit/>
-          </a:bodyPr>
-          <a:lstStyle/>
-          <a:p>
-            <a:pPr algn="ctr"/>
-            <a:r>
-              <a:rPr lang="en-US" sz="2400" dirty="0" err="1"/>
-              <a:t>FreeRTOS</a:t>
-            </a:r>
-            <a:endParaRPr lang="en-US" sz="2400" dirty="0"/>
-          </a:p>
-        </p:txBody>
-      </p:sp>
-      <p:sp>
-        <p:nvSpPr>
-          <p:cNvPr id="8" name="Rectangle 7">
-            <a:extLst>
-              <a:ext uri="{FF2B5EF4-FFF2-40B4-BE49-F238E27FC236}">
-                <a16:creationId xmlns:a16="http://schemas.microsoft.com/office/drawing/2014/main" id="{B2B49052-2EE6-0CD5-1EAF-2F755584DBA6}"/>
-              </a:ext>
-            </a:extLst>
-          </p:cNvPr>
-          <p:cNvSpPr/>
-          <p:nvPr/>
-        </p:nvSpPr>
-        <p:spPr>
-          <a:xfrm>
-            <a:off x="1831696" y="1834399"/>
-            <a:ext cx="3500437" cy="3189201"/>
-          </a:xfrm>
-          <a:prstGeom prst="rect">
-            <a:avLst/>
-          </a:prstGeom>
-          <a:solidFill>
-            <a:schemeClr val="accent1">
-              <a:lumMod val="40000"/>
-              <a:lumOff val="60000"/>
-            </a:schemeClr>
-          </a:solidFill>
-          <a:ln>
-            <a:solidFill>
-              <a:schemeClr val="tx1"/>
-            </a:solidFill>
-          </a:ln>
-        </p:spPr>
-        <p:style>
-          <a:lnRef idx="2">
-            <a:schemeClr val="accent1">
-              <a:shade val="15000"/>
-            </a:schemeClr>
-          </a:lnRef>
-          <a:fillRef idx="1">
-            <a:schemeClr val="accent1"/>
-          </a:fillRef>
-          <a:effectRef idx="0">
-            <a:schemeClr val="accent1"/>
-          </a:effectRef>
-          <a:fontRef idx="minor">
-            <a:schemeClr val="lt1"/>
-          </a:fontRef>
-        </p:style>
-        <p:txBody>
-          <a:bodyPr rtlCol="0" anchor="ctr"/>
-          <a:lstStyle/>
-          <a:p>
-            <a:pPr algn="ctr"/>
-            <a:endParaRPr lang="en-US"/>
-          </a:p>
-        </p:txBody>
-      </p:sp>
-      <p:sp>
-        <p:nvSpPr>
-          <p:cNvPr id="9" name="TextBox 8">
-            <a:extLst>
-              <a:ext uri="{FF2B5EF4-FFF2-40B4-BE49-F238E27FC236}">
-                <a16:creationId xmlns:a16="http://schemas.microsoft.com/office/drawing/2014/main" id="{13B821F5-CFA3-0438-912A-4B79DE59DF81}"/>
-              </a:ext>
-            </a:extLst>
-          </p:cNvPr>
-          <p:cNvSpPr txBox="1"/>
-          <p:nvPr/>
-        </p:nvSpPr>
-        <p:spPr>
-          <a:xfrm>
-            <a:off x="1610238" y="1388752"/>
-            <a:ext cx="3800475" cy="461665"/>
-          </a:xfrm>
-          <a:prstGeom prst="rect">
-            <a:avLst/>
-          </a:prstGeom>
-          <a:noFill/>
-        </p:spPr>
-        <p:txBody>
-          <a:bodyPr wrap="square" rtlCol="0">
-            <a:spAutoFit/>
-          </a:bodyPr>
-          <a:lstStyle/>
-          <a:p>
-            <a:pPr algn="ctr"/>
-            <a:r>
-              <a:rPr lang="en-US" sz="2400" dirty="0"/>
-              <a:t>Tasks</a:t>
-            </a:r>
-          </a:p>
-        </p:txBody>
-      </p:sp>
-      <p:sp>
-        <p:nvSpPr>
-          <p:cNvPr id="10" name="Rectangle 9">
-            <a:extLst>
-              <a:ext uri="{FF2B5EF4-FFF2-40B4-BE49-F238E27FC236}">
-                <a16:creationId xmlns:a16="http://schemas.microsoft.com/office/drawing/2014/main" id="{C2575884-94B5-A713-60A6-DC6561585F83}"/>
-              </a:ext>
-            </a:extLst>
-          </p:cNvPr>
-          <p:cNvSpPr/>
-          <p:nvPr/>
-        </p:nvSpPr>
-        <p:spPr>
-          <a:xfrm>
-            <a:off x="6260819" y="2648098"/>
-            <a:ext cx="1935957" cy="1145233"/>
-          </a:xfrm>
-          <a:prstGeom prst="rect">
-            <a:avLst/>
-          </a:prstGeom>
-          <a:solidFill>
-            <a:schemeClr val="accent6">
-              <a:lumMod val="40000"/>
-              <a:lumOff val="60000"/>
-            </a:schemeClr>
-          </a:solidFill>
-        </p:spPr>
-        <p:style>
-          <a:lnRef idx="2">
-            <a:schemeClr val="accent1">
-              <a:shade val="15000"/>
-            </a:schemeClr>
-          </a:lnRef>
-          <a:fillRef idx="1">
-            <a:schemeClr val="accent1"/>
-          </a:fillRef>
-          <a:effectRef idx="0">
-            <a:schemeClr val="accent1"/>
-          </a:effectRef>
-          <a:fontRef idx="minor">
-            <a:schemeClr val="lt1"/>
-          </a:fontRef>
-        </p:style>
-        <p:txBody>
-          <a:bodyPr rtlCol="0" anchor="ctr"/>
-          <a:lstStyle/>
-          <a:p>
-            <a:pPr algn="ctr"/>
-            <a:r>
-              <a:rPr lang="en-US" sz="2400" dirty="0">
-                <a:solidFill>
-                  <a:sysClr val="windowText" lastClr="000000"/>
-                </a:solidFill>
-              </a:rPr>
-              <a:t>Task </a:t>
-            </a:r>
-            <a:r>
-              <a:rPr lang="en-US" sz="2400" dirty="0" err="1">
-                <a:solidFill>
-                  <a:sysClr val="windowText" lastClr="000000"/>
-                </a:solidFill>
-              </a:rPr>
-              <a:t>Scheduluer</a:t>
-            </a:r>
-            <a:endParaRPr lang="en-US" sz="2400" dirty="0">
-              <a:solidFill>
-                <a:sysClr val="windowText" lastClr="000000"/>
-              </a:solidFill>
-            </a:endParaRPr>
-          </a:p>
-        </p:txBody>
-      </p:sp>
-      <p:cxnSp>
-        <p:nvCxnSpPr>
-          <p:cNvPr id="12" name="Straight Arrow Connector 11">
-            <a:extLst>
-              <a:ext uri="{FF2B5EF4-FFF2-40B4-BE49-F238E27FC236}">
-                <a16:creationId xmlns:a16="http://schemas.microsoft.com/office/drawing/2014/main" id="{3C04818E-07E6-1862-E701-237CA2B3FDF8}"/>
-              </a:ext>
-            </a:extLst>
-          </p:cNvPr>
-          <p:cNvCxnSpPr>
-            <a:endCxn id="10" idx="1"/>
-          </p:cNvCxnSpPr>
-          <p:nvPr/>
-        </p:nvCxnSpPr>
-        <p:spPr>
-          <a:xfrm>
-            <a:off x="5410713" y="3220714"/>
-            <a:ext cx="850106" cy="1"/>
-          </a:xfrm>
-          <a:prstGeom prst="straightConnector1">
-            <a:avLst/>
-          </a:prstGeom>
-          <a:ln w="34925">
-            <a:tailEnd type="triangle"/>
-          </a:ln>
-        </p:spPr>
-        <p:style>
-          <a:lnRef idx="1">
-            <a:schemeClr val="accent2"/>
-          </a:lnRef>
-          <a:fillRef idx="0">
-            <a:schemeClr val="accent2"/>
-          </a:fillRef>
-          <a:effectRef idx="0">
-            <a:schemeClr val="accent2"/>
-          </a:effectRef>
-          <a:fontRef idx="minor">
-            <a:schemeClr val="tx1"/>
-          </a:fontRef>
-        </p:style>
-      </p:cxnSp>
-      <p:sp>
-        <p:nvSpPr>
-          <p:cNvPr id="13" name="Rectangle 12">
-            <a:extLst>
-              <a:ext uri="{FF2B5EF4-FFF2-40B4-BE49-F238E27FC236}">
-                <a16:creationId xmlns:a16="http://schemas.microsoft.com/office/drawing/2014/main" id="{05C8AC44-E615-A640-55C0-0E18429B1BD7}"/>
-              </a:ext>
-            </a:extLst>
-          </p:cNvPr>
-          <p:cNvSpPr/>
-          <p:nvPr/>
-        </p:nvSpPr>
-        <p:spPr>
-          <a:xfrm>
-            <a:off x="9089233" y="2268426"/>
-            <a:ext cx="1585913" cy="757237"/>
-          </a:xfrm>
-          <a:prstGeom prst="rect">
-            <a:avLst/>
-          </a:prstGeom>
-          <a:solidFill>
-            <a:schemeClr val="accent4">
-              <a:lumMod val="40000"/>
-              <a:lumOff val="60000"/>
-            </a:schemeClr>
-          </a:solidFill>
-        </p:spPr>
-        <p:style>
-          <a:lnRef idx="2">
-            <a:schemeClr val="accent1">
-              <a:shade val="15000"/>
-            </a:schemeClr>
-          </a:lnRef>
-          <a:fillRef idx="1">
-            <a:schemeClr val="accent1"/>
-          </a:fillRef>
-          <a:effectRef idx="0">
-            <a:schemeClr val="accent1"/>
-          </a:effectRef>
-          <a:fontRef idx="minor">
-            <a:schemeClr val="lt1"/>
-          </a:fontRef>
-        </p:style>
-        <p:txBody>
-          <a:bodyPr rtlCol="0" anchor="ctr"/>
-          <a:lstStyle/>
-          <a:p>
-            <a:pPr algn="ctr"/>
-            <a:r>
-              <a:rPr lang="en-US" dirty="0">
-                <a:solidFill>
-                  <a:sysClr val="windowText" lastClr="000000"/>
-                </a:solidFill>
-              </a:rPr>
-              <a:t>Core 1</a:t>
-            </a:r>
-          </a:p>
-        </p:txBody>
-      </p:sp>
-      <p:sp>
-        <p:nvSpPr>
-          <p:cNvPr id="14" name="Rectangle 13">
-            <a:extLst>
-              <a:ext uri="{FF2B5EF4-FFF2-40B4-BE49-F238E27FC236}">
-                <a16:creationId xmlns:a16="http://schemas.microsoft.com/office/drawing/2014/main" id="{B9754C67-427A-AA35-3C48-09546AB3AF4F}"/>
-              </a:ext>
-            </a:extLst>
-          </p:cNvPr>
-          <p:cNvSpPr/>
-          <p:nvPr/>
-        </p:nvSpPr>
-        <p:spPr>
-          <a:xfrm>
-            <a:off x="9089233" y="3567777"/>
-            <a:ext cx="1585913" cy="757237"/>
-          </a:xfrm>
-          <a:prstGeom prst="rect">
-            <a:avLst/>
-          </a:prstGeom>
-          <a:solidFill>
-            <a:schemeClr val="accent4">
-              <a:lumMod val="40000"/>
-              <a:lumOff val="60000"/>
-            </a:schemeClr>
-          </a:solidFill>
-        </p:spPr>
-        <p:style>
-          <a:lnRef idx="2">
-            <a:schemeClr val="accent1">
-              <a:shade val="15000"/>
-            </a:schemeClr>
-          </a:lnRef>
-          <a:fillRef idx="1">
-            <a:schemeClr val="accent1"/>
-          </a:fillRef>
-          <a:effectRef idx="0">
-            <a:schemeClr val="accent1"/>
-          </a:effectRef>
-          <a:fontRef idx="minor">
-            <a:schemeClr val="lt1"/>
-          </a:fontRef>
-        </p:style>
-        <p:txBody>
-          <a:bodyPr rtlCol="0" anchor="ctr"/>
-          <a:lstStyle/>
-          <a:p>
-            <a:pPr algn="ctr"/>
-            <a:r>
-              <a:rPr lang="en-US" dirty="0">
-                <a:solidFill>
-                  <a:sysClr val="windowText" lastClr="000000"/>
-                </a:solidFill>
-              </a:rPr>
-              <a:t>Core 2</a:t>
-            </a:r>
-          </a:p>
-        </p:txBody>
-      </p:sp>
-      <p:sp>
-        <p:nvSpPr>
-          <p:cNvPr id="15" name="Rectangle 14">
-            <a:extLst>
-              <a:ext uri="{FF2B5EF4-FFF2-40B4-BE49-F238E27FC236}">
-                <a16:creationId xmlns:a16="http://schemas.microsoft.com/office/drawing/2014/main" id="{C54E621A-4857-434C-569E-A0BE4AF870A7}"/>
-              </a:ext>
-            </a:extLst>
-          </p:cNvPr>
-          <p:cNvSpPr/>
-          <p:nvPr/>
-        </p:nvSpPr>
-        <p:spPr>
-          <a:xfrm>
-            <a:off x="2057913" y="2249743"/>
-            <a:ext cx="3100387" cy="647848"/>
-          </a:xfrm>
-          <a:prstGeom prst="rect">
-            <a:avLst/>
-          </a:prstGeom>
-          <a:solidFill>
-            <a:schemeClr val="accent6">
-              <a:lumMod val="20000"/>
-              <a:lumOff val="80000"/>
-            </a:schemeClr>
-          </a:solidFill>
-        </p:spPr>
-        <p:style>
-          <a:lnRef idx="2">
-            <a:schemeClr val="accent1">
-              <a:shade val="15000"/>
-            </a:schemeClr>
-          </a:lnRef>
-          <a:fillRef idx="1">
-            <a:schemeClr val="accent1"/>
-          </a:fillRef>
-          <a:effectRef idx="0">
-            <a:schemeClr val="accent1"/>
-          </a:effectRef>
-          <a:fontRef idx="minor">
-            <a:schemeClr val="lt1"/>
-          </a:fontRef>
-        </p:style>
-        <p:txBody>
-          <a:bodyPr rtlCol="0" anchor="ctr"/>
-          <a:lstStyle/>
-          <a:p>
-            <a:pPr algn="ctr"/>
-            <a:r>
-              <a:rPr lang="en-US" dirty="0" err="1">
-                <a:solidFill>
-                  <a:sysClr val="windowText" lastClr="000000"/>
-                </a:solidFill>
-              </a:rPr>
-              <a:t>uartToDistance</a:t>
-            </a:r>
-            <a:endParaRPr lang="en-US" dirty="0">
-              <a:solidFill>
-                <a:sysClr val="windowText" lastClr="000000"/>
-              </a:solidFill>
-            </a:endParaRPr>
-          </a:p>
-        </p:txBody>
-      </p:sp>
-      <p:sp>
-        <p:nvSpPr>
-          <p:cNvPr id="2" name="Rectangle 1">
-            <a:extLst>
-              <a:ext uri="{FF2B5EF4-FFF2-40B4-BE49-F238E27FC236}">
-                <a16:creationId xmlns:a16="http://schemas.microsoft.com/office/drawing/2014/main" id="{6F2BCCD4-0087-F34B-D6AC-B05006B07A8C}"/>
-              </a:ext>
-            </a:extLst>
-          </p:cNvPr>
-          <p:cNvSpPr/>
-          <p:nvPr/>
-        </p:nvSpPr>
-        <p:spPr>
-          <a:xfrm>
-            <a:off x="2046006" y="3094716"/>
-            <a:ext cx="3100387" cy="647848"/>
-          </a:xfrm>
-          <a:prstGeom prst="rect">
-            <a:avLst/>
-          </a:prstGeom>
-          <a:solidFill>
-            <a:schemeClr val="accent6">
-              <a:lumMod val="20000"/>
-              <a:lumOff val="80000"/>
-            </a:schemeClr>
-          </a:solidFill>
-        </p:spPr>
-        <p:style>
-          <a:lnRef idx="2">
-            <a:schemeClr val="accent1">
-              <a:shade val="15000"/>
-            </a:schemeClr>
-          </a:lnRef>
-          <a:fillRef idx="1">
-            <a:schemeClr val="accent1"/>
-          </a:fillRef>
-          <a:effectRef idx="0">
-            <a:schemeClr val="accent1"/>
-          </a:effectRef>
-          <a:fontRef idx="minor">
-            <a:schemeClr val="lt1"/>
-          </a:fontRef>
-        </p:style>
-        <p:txBody>
-          <a:bodyPr rtlCol="0" anchor="ctr"/>
-          <a:lstStyle/>
-          <a:p>
-            <a:pPr algn="ctr"/>
-            <a:r>
-              <a:rPr lang="en-US" dirty="0" err="1">
-                <a:solidFill>
-                  <a:sysClr val="windowText" lastClr="000000"/>
-                </a:solidFill>
-              </a:rPr>
-              <a:t>keepMQTTAlive</a:t>
-            </a:r>
-            <a:endParaRPr lang="en-US" dirty="0">
-              <a:solidFill>
-                <a:sysClr val="windowText" lastClr="000000"/>
-              </a:solidFill>
-            </a:endParaRPr>
-          </a:p>
-        </p:txBody>
-      </p:sp>
-      <p:sp>
-        <p:nvSpPr>
-          <p:cNvPr id="3" name="Rectangle 2">
-            <a:extLst>
-              <a:ext uri="{FF2B5EF4-FFF2-40B4-BE49-F238E27FC236}">
-                <a16:creationId xmlns:a16="http://schemas.microsoft.com/office/drawing/2014/main" id="{51E64585-E6C6-528C-3FE2-D2CDE4FA5A3C}"/>
-              </a:ext>
-            </a:extLst>
-          </p:cNvPr>
-          <p:cNvSpPr/>
-          <p:nvPr/>
-        </p:nvSpPr>
-        <p:spPr>
-          <a:xfrm>
-            <a:off x="2024059" y="4001090"/>
-            <a:ext cx="3100387" cy="647848"/>
-          </a:xfrm>
-          <a:prstGeom prst="rect">
-            <a:avLst/>
-          </a:prstGeom>
-          <a:solidFill>
-            <a:schemeClr val="accent6">
-              <a:lumMod val="20000"/>
-              <a:lumOff val="80000"/>
-            </a:schemeClr>
-          </a:solidFill>
-        </p:spPr>
-        <p:style>
-          <a:lnRef idx="2">
-            <a:schemeClr val="accent1">
-              <a:shade val="15000"/>
-            </a:schemeClr>
-          </a:lnRef>
-          <a:fillRef idx="1">
-            <a:schemeClr val="accent1"/>
-          </a:fillRef>
-          <a:effectRef idx="0">
-            <a:schemeClr val="accent1"/>
-          </a:effectRef>
-          <a:fontRef idx="minor">
-            <a:schemeClr val="lt1"/>
-          </a:fontRef>
-        </p:style>
-        <p:txBody>
-          <a:bodyPr rtlCol="0" anchor="ctr"/>
-          <a:lstStyle/>
-          <a:p>
-            <a:pPr algn="ctr"/>
-            <a:r>
-              <a:rPr lang="en-US" dirty="0" err="1">
-                <a:solidFill>
-                  <a:sysClr val="windowText" lastClr="000000"/>
-                </a:solidFill>
-              </a:rPr>
-              <a:t>publishDeadreckoningData</a:t>
-            </a:r>
-            <a:endParaRPr lang="en-US" dirty="0">
-              <a:solidFill>
-                <a:sysClr val="windowText" lastClr="000000"/>
-              </a:solidFill>
-            </a:endParaRPr>
-          </a:p>
-        </p:txBody>
-      </p:sp>
-      <p:cxnSp>
-        <p:nvCxnSpPr>
-          <p:cNvPr id="11" name="Straight Arrow Connector 10">
-            <a:extLst>
-              <a:ext uri="{FF2B5EF4-FFF2-40B4-BE49-F238E27FC236}">
-                <a16:creationId xmlns:a16="http://schemas.microsoft.com/office/drawing/2014/main" id="{90040CBE-6E05-89DE-5B87-558FF887D491}"/>
-              </a:ext>
-            </a:extLst>
-          </p:cNvPr>
-          <p:cNvCxnSpPr>
-            <a:cxnSpLocks/>
-            <a:stCxn id="10" idx="3"/>
-            <a:endCxn id="13" idx="1"/>
-          </p:cNvCxnSpPr>
-          <p:nvPr/>
-        </p:nvCxnSpPr>
-        <p:spPr>
-          <a:xfrm flipV="1">
-            <a:off x="8196776" y="2647045"/>
-            <a:ext cx="892457" cy="573670"/>
-          </a:xfrm>
-          <a:prstGeom prst="straightConnector1">
-            <a:avLst/>
-          </a:prstGeom>
-          <a:ln w="34925">
-            <a:tailEnd type="triangle"/>
-          </a:ln>
-        </p:spPr>
-        <p:style>
-          <a:lnRef idx="1">
-            <a:schemeClr val="accent2"/>
-          </a:lnRef>
-          <a:fillRef idx="0">
-            <a:schemeClr val="accent2"/>
-          </a:fillRef>
-          <a:effectRef idx="0">
-            <a:schemeClr val="accent2"/>
           </a:effectRef>
           <a:fontRef idx="minor">
             <a:schemeClr val="tx1"/>
@@ -5716,46 +6655,254 @@
       </p:cxnSp>
       <p:cxnSp>
         <p:nvCxnSpPr>
-          <p:cNvPr id="18" name="Straight Arrow Connector 17">
-            <a:extLst>
-              <a:ext uri="{FF2B5EF4-FFF2-40B4-BE49-F238E27FC236}">
-                <a16:creationId xmlns:a16="http://schemas.microsoft.com/office/drawing/2014/main" id="{953C8CE3-8520-BAFB-79E5-D9AD263DBBDD}"/>
+          <p:cNvPr id="72" name="Straight Arrow Connector 71">
+            <a:extLst>
+              <a:ext uri="{FF2B5EF4-FFF2-40B4-BE49-F238E27FC236}">
+                <a16:creationId xmlns:a16="http://schemas.microsoft.com/office/drawing/2014/main" id="{A95A60D2-84A5-83E3-48D8-625DBE170BD8}"/>
               </a:ext>
             </a:extLst>
           </p:cNvPr>
           <p:cNvCxnSpPr>
             <a:cxnSpLocks/>
-            <a:endCxn id="14" idx="1"/>
+            <a:stCxn id="65" idx="2"/>
+            <a:endCxn id="59" idx="3"/>
           </p:cNvCxnSpPr>
           <p:nvPr/>
         </p:nvCxnSpPr>
         <p:spPr>
-          <a:xfrm>
-            <a:off x="8196776" y="3246403"/>
-            <a:ext cx="892457" cy="699993"/>
+          <a:xfrm flipH="1">
+            <a:off x="3151490" y="3160182"/>
+            <a:ext cx="961798" cy="782555"/>
           </a:xfrm>
           <a:prstGeom prst="straightConnector1">
             <a:avLst/>
           </a:prstGeom>
-          <a:ln w="34925">
+          <a:ln>
             <a:tailEnd type="triangle"/>
           </a:ln>
         </p:spPr>
         <p:style>
           <a:lnRef idx="1">
-            <a:schemeClr val="accent2"/>
+            <a:schemeClr val="accent1"/>
           </a:lnRef>
           <a:fillRef idx="0">
-            <a:schemeClr val="accent2"/>
+            <a:schemeClr val="accent1"/>
           </a:fillRef>
           <a:effectRef idx="0">
-            <a:schemeClr val="accent2"/>
+            <a:schemeClr val="accent1"/>
           </a:effectRef>
           <a:fontRef idx="minor">
             <a:schemeClr val="tx1"/>
           </a:fontRef>
         </p:style>
       </p:cxnSp>
+      <p:cxnSp>
+        <p:nvCxnSpPr>
+          <p:cNvPr id="75" name="Straight Arrow Connector 74">
+            <a:extLst>
+              <a:ext uri="{FF2B5EF4-FFF2-40B4-BE49-F238E27FC236}">
+                <a16:creationId xmlns:a16="http://schemas.microsoft.com/office/drawing/2014/main" id="{A4A994BF-1FC0-652A-3EF1-EE2BA336D856}"/>
+              </a:ext>
+            </a:extLst>
+          </p:cNvPr>
+          <p:cNvCxnSpPr>
+            <a:cxnSpLocks/>
+            <a:stCxn id="65" idx="2"/>
+            <a:endCxn id="60" idx="3"/>
+          </p:cNvCxnSpPr>
+          <p:nvPr/>
+        </p:nvCxnSpPr>
+        <p:spPr>
+          <a:xfrm flipH="1">
+            <a:off x="3128159" y="3160182"/>
+            <a:ext cx="985129" cy="1171228"/>
+          </a:xfrm>
+          <a:prstGeom prst="straightConnector1">
+            <a:avLst/>
+          </a:prstGeom>
+          <a:ln>
+            <a:tailEnd type="triangle"/>
+          </a:ln>
+        </p:spPr>
+        <p:style>
+          <a:lnRef idx="1">
+            <a:schemeClr val="accent1"/>
+          </a:lnRef>
+          <a:fillRef idx="0">
+            <a:schemeClr val="accent1"/>
+          </a:fillRef>
+          <a:effectRef idx="0">
+            <a:schemeClr val="accent1"/>
+          </a:effectRef>
+          <a:fontRef idx="minor">
+            <a:schemeClr val="tx1"/>
+          </a:fontRef>
+        </p:style>
+      </p:cxnSp>
+      <p:cxnSp>
+        <p:nvCxnSpPr>
+          <p:cNvPr id="78" name="Straight Arrow Connector 77">
+            <a:extLst>
+              <a:ext uri="{FF2B5EF4-FFF2-40B4-BE49-F238E27FC236}">
+                <a16:creationId xmlns:a16="http://schemas.microsoft.com/office/drawing/2014/main" id="{EC1C2953-9915-DD3E-0400-111922290C2D}"/>
+              </a:ext>
+            </a:extLst>
+          </p:cNvPr>
+          <p:cNvCxnSpPr>
+            <a:cxnSpLocks/>
+            <a:stCxn id="65" idx="2"/>
+            <a:endCxn id="61" idx="3"/>
+          </p:cNvCxnSpPr>
+          <p:nvPr/>
+        </p:nvCxnSpPr>
+        <p:spPr>
+          <a:xfrm flipH="1">
+            <a:off x="3117033" y="3160182"/>
+            <a:ext cx="996255" cy="1559901"/>
+          </a:xfrm>
+          <a:prstGeom prst="straightConnector1">
+            <a:avLst/>
+          </a:prstGeom>
+          <a:ln>
+            <a:tailEnd type="triangle"/>
+          </a:ln>
+        </p:spPr>
+        <p:style>
+          <a:lnRef idx="1">
+            <a:schemeClr val="accent1"/>
+          </a:lnRef>
+          <a:fillRef idx="0">
+            <a:schemeClr val="accent1"/>
+          </a:fillRef>
+          <a:effectRef idx="0">
+            <a:schemeClr val="accent1"/>
+          </a:effectRef>
+          <a:fontRef idx="minor">
+            <a:schemeClr val="tx1"/>
+          </a:fontRef>
+        </p:style>
+      </p:cxnSp>
+      <p:cxnSp>
+        <p:nvCxnSpPr>
+          <p:cNvPr id="86" name="Straight Arrow Connector 85">
+            <a:extLst>
+              <a:ext uri="{FF2B5EF4-FFF2-40B4-BE49-F238E27FC236}">
+                <a16:creationId xmlns:a16="http://schemas.microsoft.com/office/drawing/2014/main" id="{117757EC-3536-D899-AE44-269DF7D3E13B}"/>
+              </a:ext>
+            </a:extLst>
+          </p:cNvPr>
+          <p:cNvCxnSpPr>
+            <a:cxnSpLocks/>
+            <a:stCxn id="2" idx="1"/>
+            <a:endCxn id="62" idx="3"/>
+          </p:cNvCxnSpPr>
+          <p:nvPr/>
+        </p:nvCxnSpPr>
+        <p:spPr>
+          <a:xfrm flipH="1">
+            <a:off x="3128159" y="4028654"/>
+            <a:ext cx="2005374" cy="1080102"/>
+          </a:xfrm>
+          <a:prstGeom prst="straightConnector1">
+            <a:avLst/>
+          </a:prstGeom>
+          <a:ln>
+            <a:tailEnd type="triangle"/>
+          </a:ln>
+        </p:spPr>
+        <p:style>
+          <a:lnRef idx="1">
+            <a:schemeClr val="accent1"/>
+          </a:lnRef>
+          <a:fillRef idx="0">
+            <a:schemeClr val="accent1"/>
+          </a:fillRef>
+          <a:effectRef idx="0">
+            <a:schemeClr val="accent1"/>
+          </a:effectRef>
+          <a:fontRef idx="minor">
+            <a:schemeClr val="tx1"/>
+          </a:fontRef>
+        </p:style>
+      </p:cxnSp>
+      <p:sp>
+        <p:nvSpPr>
+          <p:cNvPr id="90" name="TextBox 89">
+            <a:extLst>
+              <a:ext uri="{FF2B5EF4-FFF2-40B4-BE49-F238E27FC236}">
+                <a16:creationId xmlns:a16="http://schemas.microsoft.com/office/drawing/2014/main" id="{E9A42AA2-318A-966E-B56E-AEFFCC4AFF75}"/>
+              </a:ext>
+            </a:extLst>
+          </p:cNvPr>
+          <p:cNvSpPr txBox="1"/>
+          <p:nvPr/>
+        </p:nvSpPr>
+        <p:spPr>
+          <a:xfrm rot="19804316">
+            <a:off x="3577474" y="4410484"/>
+            <a:ext cx="852616" cy="261610"/>
+          </a:xfrm>
+          <a:prstGeom prst="rect">
+            <a:avLst/>
+          </a:prstGeom>
+          <a:noFill/>
+        </p:spPr>
+        <p:txBody>
+          <a:bodyPr wrap="square" rtlCol="0">
+            <a:spAutoFit/>
+          </a:bodyPr>
+          <a:lstStyle/>
+          <a:p>
+            <a:pPr algn="ctr"/>
+            <a:r>
+              <a:rPr lang="en-US" sz="1100" dirty="0">
+                <a:latin typeface="American Typewriter" panose="02090604020004020304" pitchFamily="18" charset="77"/>
+              </a:rPr>
+              <a:t>subscribe</a:t>
+            </a:r>
+          </a:p>
+        </p:txBody>
+      </p:sp>
+      <p:sp>
+        <p:nvSpPr>
+          <p:cNvPr id="97" name="TextBox 96">
+            <a:extLst>
+              <a:ext uri="{FF2B5EF4-FFF2-40B4-BE49-F238E27FC236}">
+                <a16:creationId xmlns:a16="http://schemas.microsoft.com/office/drawing/2014/main" id="{0D8F7F5A-AE10-58E3-05A9-F01F5432C5E0}"/>
+              </a:ext>
+            </a:extLst>
+          </p:cNvPr>
+          <p:cNvSpPr txBox="1"/>
+          <p:nvPr/>
+        </p:nvSpPr>
+        <p:spPr>
+          <a:xfrm>
+            <a:off x="3135595" y="326540"/>
+            <a:ext cx="5239265" cy="461665"/>
+          </a:xfrm>
+          <a:prstGeom prst="rect">
+            <a:avLst/>
+          </a:prstGeom>
+          <a:noFill/>
+        </p:spPr>
+        <p:txBody>
+          <a:bodyPr wrap="square" rtlCol="0">
+            <a:spAutoFit/>
+          </a:bodyPr>
+          <a:lstStyle/>
+          <a:p>
+            <a:pPr algn="ctr"/>
+            <a:r>
+              <a:rPr lang="en-US" sz="2400" u="sng" dirty="0" err="1"/>
+              <a:t>FreeRTOS</a:t>
+            </a:r>
+            <a:r>
+              <a:rPr lang="en-US" sz="2400" u="sng" dirty="0"/>
+              <a:t> Architecture with MQTT </a:t>
+            </a:r>
+          </a:p>
+        </p:txBody>
+      </p:sp>
     </p:spTree>
     <p:extLst>
       <p:ext uri="{BB962C8B-B14F-4D97-AF65-F5344CB8AC3E}">
@@ -6251,8 +7398,8 @@
           </a:p>
         </p:txBody>
       </p:sp>
-      <mc:AlternateContent xmlns:mc="http://schemas.openxmlformats.org/markup-compatibility/2006">
-        <mc:Choice xmlns:a14="http://schemas.microsoft.com/office/drawing/2010/main" Requires="a14">
+      <mc:AlternateContent xmlns:mc="http://schemas.openxmlformats.org/markup-compatibility/2006" xmlns:a14="http://schemas.microsoft.com/office/drawing/2010/main">
+        <mc:Choice Requires="a14">
           <p:sp>
             <p:nvSpPr>
               <p:cNvPr id="29" name="TextBox 28">
@@ -6281,6 +7428,7 @@
               </a:bodyPr>
               <a:lstStyle/>
               <a:p>
+                <a:pPr/>
                 <a14:m>
                   <m:oMathPara xmlns:m="http://schemas.openxmlformats.org/officeDocument/2006/math">
                     <m:oMathParaPr>
@@ -6323,7 +7471,7 @@
             </p:txBody>
           </p:sp>
         </mc:Choice>
-        <mc:Fallback>
+        <mc:Fallback xmlns="">
           <p:sp>
             <p:nvSpPr>
               <p:cNvPr id="29" name="TextBox 28">

--- a/report/report diagrams.pptx
+++ b/report/report diagrams.pptx
@@ -199,7 +199,7 @@
           <a:p>
             <a:fld id="{3F93E8E0-5D27-1248-BE24-90C77D8996BA}" type="datetimeFigureOut">
               <a:rPr lang="en-US" smtClean="0"/>
-              <a:t>6/18/23</a:t>
+              <a:t>6/20/23</a:t>
             </a:fld>
             <a:endParaRPr lang="en-US"/>
           </a:p>
@@ -700,7 +700,7 @@
           <a:p>
             <a:fld id="{446C6B02-1201-BC4F-8CD8-04EAE4792AA6}" type="datetimeFigureOut">
               <a:rPr lang="en-US" smtClean="0"/>
-              <a:t>6/18/23</a:t>
+              <a:t>6/20/23</a:t>
             </a:fld>
             <a:endParaRPr lang="en-US"/>
           </a:p>
@@ -900,7 +900,7 @@
           <a:p>
             <a:fld id="{446C6B02-1201-BC4F-8CD8-04EAE4792AA6}" type="datetimeFigureOut">
               <a:rPr lang="en-US" smtClean="0"/>
-              <a:t>6/18/23</a:t>
+              <a:t>6/20/23</a:t>
             </a:fld>
             <a:endParaRPr lang="en-US"/>
           </a:p>
@@ -1110,7 +1110,7 @@
           <a:p>
             <a:fld id="{446C6B02-1201-BC4F-8CD8-04EAE4792AA6}" type="datetimeFigureOut">
               <a:rPr lang="en-US" smtClean="0"/>
-              <a:t>6/18/23</a:t>
+              <a:t>6/20/23</a:t>
             </a:fld>
             <a:endParaRPr lang="en-US"/>
           </a:p>
@@ -1310,7 +1310,7 @@
           <a:p>
             <a:fld id="{446C6B02-1201-BC4F-8CD8-04EAE4792AA6}" type="datetimeFigureOut">
               <a:rPr lang="en-US" smtClean="0"/>
-              <a:t>6/18/23</a:t>
+              <a:t>6/20/23</a:t>
             </a:fld>
             <a:endParaRPr lang="en-US"/>
           </a:p>
@@ -1586,7 +1586,7 @@
           <a:p>
             <a:fld id="{446C6B02-1201-BC4F-8CD8-04EAE4792AA6}" type="datetimeFigureOut">
               <a:rPr lang="en-US" smtClean="0"/>
-              <a:t>6/18/23</a:t>
+              <a:t>6/20/23</a:t>
             </a:fld>
             <a:endParaRPr lang="en-US"/>
           </a:p>
@@ -1854,7 +1854,7 @@
           <a:p>
             <a:fld id="{446C6B02-1201-BC4F-8CD8-04EAE4792AA6}" type="datetimeFigureOut">
               <a:rPr lang="en-US" smtClean="0"/>
-              <a:t>6/18/23</a:t>
+              <a:t>6/20/23</a:t>
             </a:fld>
             <a:endParaRPr lang="en-US"/>
           </a:p>
@@ -2269,7 +2269,7 @@
           <a:p>
             <a:fld id="{446C6B02-1201-BC4F-8CD8-04EAE4792AA6}" type="datetimeFigureOut">
               <a:rPr lang="en-US" smtClean="0"/>
-              <a:t>6/18/23</a:t>
+              <a:t>6/20/23</a:t>
             </a:fld>
             <a:endParaRPr lang="en-US"/>
           </a:p>
@@ -2411,7 +2411,7 @@
           <a:p>
             <a:fld id="{446C6B02-1201-BC4F-8CD8-04EAE4792AA6}" type="datetimeFigureOut">
               <a:rPr lang="en-US" smtClean="0"/>
-              <a:t>6/18/23</a:t>
+              <a:t>6/20/23</a:t>
             </a:fld>
             <a:endParaRPr lang="en-US"/>
           </a:p>
@@ -2524,7 +2524,7 @@
           <a:p>
             <a:fld id="{446C6B02-1201-BC4F-8CD8-04EAE4792AA6}" type="datetimeFigureOut">
               <a:rPr lang="en-US" smtClean="0"/>
-              <a:t>6/18/23</a:t>
+              <a:t>6/20/23</a:t>
             </a:fld>
             <a:endParaRPr lang="en-US"/>
           </a:p>
@@ -2837,7 +2837,7 @@
           <a:p>
             <a:fld id="{446C6B02-1201-BC4F-8CD8-04EAE4792AA6}" type="datetimeFigureOut">
               <a:rPr lang="en-US" smtClean="0"/>
-              <a:t>6/18/23</a:t>
+              <a:t>6/20/23</a:t>
             </a:fld>
             <a:endParaRPr lang="en-US"/>
           </a:p>
@@ -3126,7 +3126,7 @@
           <a:p>
             <a:fld id="{446C6B02-1201-BC4F-8CD8-04EAE4792AA6}" type="datetimeFigureOut">
               <a:rPr lang="en-US" smtClean="0"/>
-              <a:t>6/18/23</a:t>
+              <a:t>6/20/23</a:t>
             </a:fld>
             <a:endParaRPr lang="en-US"/>
           </a:p>
@@ -3369,7 +3369,7 @@
           <a:p>
             <a:fld id="{446C6B02-1201-BC4F-8CD8-04EAE4792AA6}" type="datetimeFigureOut">
               <a:rPr lang="en-US" smtClean="0"/>
-              <a:t>6/18/23</a:t>
+              <a:t>6/20/23</a:t>
             </a:fld>
             <a:endParaRPr lang="en-US"/>
           </a:p>
@@ -5322,21 +5322,8 @@
                     <a:sysClr val="windowText" lastClr="000000"/>
                   </a:solidFill>
                 </a:rPr>
-                <a:t>Task </a:t>
+                <a:t>Task Scheduler</a:t>
               </a:r>
-              <a:r>
-                <a:rPr lang="en-US" sz="2000" dirty="0" err="1">
-                  <a:solidFill>
-                    <a:sysClr val="windowText" lastClr="000000"/>
-                  </a:solidFill>
-                </a:rPr>
-                <a:t>Scheduluer</a:t>
-              </a:r>
-              <a:endParaRPr lang="en-US" sz="2000" dirty="0">
-                <a:solidFill>
-                  <a:sysClr val="windowText" lastClr="000000"/>
-                </a:solidFill>
-              </a:endParaRPr>
             </a:p>
           </p:txBody>
         </p:sp>
